--- a/Linux-Basic/day6/Advanced File Permissions.pptx
+++ b/Linux-Basic/day6/Advanced File Permissions.pptx
@@ -2,8 +2,14 @@
 <file path=ppt/presentation.xml><?xml version="1.0" encoding="utf-8"?>
 <p:presentation xmlns:a="http://schemas.openxmlformats.org/drawingml/2006/main" xmlns:r="http://schemas.openxmlformats.org/officeDocument/2006/relationships" xmlns:p="http://schemas.openxmlformats.org/presentationml/2006/main" saveSubsetFonts="1">
   <p:sldMasterIdLst>
-    <p:sldMasterId id="2147483648" r:id="rId1"/>
+    <p:sldMasterId id="2147483660" r:id="rId1"/>
   </p:sldMasterIdLst>
+  <p:sldIdLst>
+    <p:sldId id="256" r:id="rId2"/>
+    <p:sldId id="259" r:id="rId3"/>
+    <p:sldId id="257" r:id="rId4"/>
+    <p:sldId id="258" r:id="rId5"/>
+  </p:sldIdLst>
   <p:sldSz cx="9144000" cy="6858000" type="screen4x3"/>
   <p:notesSz cx="6858000" cy="9144000"/>
   <p:defaultTextStyle>
@@ -133,19 +139,25 @@
         </p:nvSpPr>
         <p:spPr>
           <a:xfrm>
-            <a:off x="685800" y="2130425"/>
-            <a:ext cx="7772400" cy="1470025"/>
+            <a:off x="1066800" y="1406020"/>
+            <a:ext cx="6172199" cy="2251579"/>
           </a:xfrm>
         </p:spPr>
         <p:txBody>
-          <a:bodyPr/>
-          <a:lstStyle/>
+          <a:bodyPr lIns="0" rIns="0" anchor="t">
+            <a:noAutofit/>
+          </a:bodyPr>
+          <a:lstStyle>
+            <a:lvl1pPr>
+              <a:defRPr sz="6600"/>
+            </a:lvl1pPr>
+          </a:lstStyle>
           <a:p>
             <a:r>
               <a:rPr lang="en-US" smtClean="0"/>
               <a:t>Click to edit Master title style</a:t>
             </a:r>
-            <a:endParaRPr lang="en-US"/>
+            <a:endParaRPr lang="en-US" dirty="0"/>
           </a:p>
         </p:txBody>
       </p:sp>
@@ -161,16 +173,18 @@
         </p:nvSpPr>
         <p:spPr>
           <a:xfrm>
-            <a:off x="1371600" y="3886200"/>
-            <a:ext cx="6400800" cy="1752600"/>
+            <a:off x="1066800" y="3905864"/>
+            <a:ext cx="6172200" cy="1123336"/>
           </a:xfrm>
         </p:spPr>
         <p:txBody>
-          <a:bodyPr/>
+          <a:bodyPr>
+            <a:normAutofit/>
+          </a:bodyPr>
           <a:lstStyle>
-            <a:lvl1pPr marL="0" indent="0" algn="ctr">
-              <a:buNone/>
-              <a:defRPr>
+            <a:lvl1pPr marL="0" indent="0" algn="l">
+              <a:buNone/>
+              <a:defRPr sz="2000">
                 <a:solidFill>
                   <a:schemeClr val="tx1">
                     <a:tint val="75000"/>
@@ -264,13 +278,13 @@
               <a:rPr lang="en-US" smtClean="0"/>
               <a:t>Click to edit Master subtitle style</a:t>
             </a:r>
-            <a:endParaRPr lang="en-US"/>
-          </a:p>
-        </p:txBody>
-      </p:sp>
-      <p:sp>
-        <p:nvSpPr>
-          <p:cNvPr id="4" name="Date Placeholder 3"/>
+            <a:endParaRPr lang="en-US" dirty="0"/>
+          </a:p>
+        </p:txBody>
+      </p:sp>
+      <p:sp>
+        <p:nvSpPr>
+          <p:cNvPr id="7" name="Date Placeholder 6"/>
           <p:cNvSpPr>
             <a:spLocks noGrp="1"/>
           </p:cNvSpPr>
@@ -286,7 +300,7 @@
             <a:fld id="{1D8BD707-D9CF-40AE-B4C6-C98DA3205C09}" type="datetimeFigureOut">
               <a:rPr lang="en-US" smtClean="0"/>
               <a:pPr/>
-              <a:t>9/18/2006</a:t>
+              <a:t>20/12/2017</a:t>
             </a:fld>
             <a:endParaRPr lang="en-US"/>
           </a:p>
@@ -294,31 +308,12 @@
       </p:sp>
       <p:sp>
         <p:nvSpPr>
-          <p:cNvPr id="5" name="Footer Placeholder 4"/>
-          <p:cNvSpPr>
-            <a:spLocks noGrp="1"/>
-          </p:cNvSpPr>
-          <p:nvPr>
-            <p:ph type="ftr" sz="quarter" idx="11"/>
-          </p:nvPr>
-        </p:nvSpPr>
-        <p:spPr/>
-        <p:txBody>
-          <a:bodyPr/>
-          <a:lstStyle/>
-          <a:p>
-            <a:endParaRPr lang="en-US"/>
-          </a:p>
-        </p:txBody>
-      </p:sp>
-      <p:sp>
-        <p:nvSpPr>
-          <p:cNvPr id="6" name="Slide Number Placeholder 5"/>
-          <p:cNvSpPr>
-            <a:spLocks noGrp="1"/>
-          </p:cNvSpPr>
-          <p:nvPr>
-            <p:ph type="sldNum" sz="quarter" idx="12"/>
+          <p:cNvPr id="8" name="Slide Number Placeholder 7"/>
+          <p:cNvSpPr>
+            <a:spLocks noGrp="1"/>
+          </p:cNvSpPr>
+          <p:nvPr>
+            <p:ph type="sldNum" sz="quarter" idx="11"/>
           </p:nvPr>
         </p:nvSpPr>
         <p:spPr/>
@@ -331,6 +326,25 @@
               <a:pPr/>
               <a:t>‹#›</a:t>
             </a:fld>
+            <a:endParaRPr lang="en-US"/>
+          </a:p>
+        </p:txBody>
+      </p:sp>
+      <p:sp>
+        <p:nvSpPr>
+          <p:cNvPr id="9" name="Footer Placeholder 8"/>
+          <p:cNvSpPr>
+            <a:spLocks noGrp="1"/>
+          </p:cNvSpPr>
+          <p:nvPr>
+            <p:ph type="ftr" sz="quarter" idx="12"/>
+          </p:nvPr>
+        </p:nvSpPr>
+        <p:spPr/>
+        <p:txBody>
+          <a:bodyPr/>
+          <a:lstStyle/>
+          <a:p>
             <a:endParaRPr lang="en-US"/>
           </a:p>
         </p:txBody>
@@ -340,6 +354,13 @@
   <p:clrMapOvr>
     <a:masterClrMapping/>
   </p:clrMapOvr>
+  <p:timing>
+    <p:tnLst>
+      <p:par>
+        <p:cTn id="1" dur="indefinite" restart="never" nodeType="tmRoot"/>
+      </p:par>
+    </p:tnLst>
+  </p:timing>
 </p:sldLayout>
 </file>
 
@@ -379,7 +400,7 @@
               <a:rPr lang="en-US" smtClean="0"/>
               <a:t>Click to edit Master title style</a:t>
             </a:r>
-            <a:endParaRPr lang="en-US"/>
+            <a:endParaRPr lang="en-US" dirty="0"/>
           </a:p>
         </p:txBody>
       </p:sp>
@@ -393,7 +414,12 @@
             <p:ph type="body" orient="vert" idx="1"/>
           </p:nvPr>
         </p:nvSpPr>
-        <p:spPr/>
+        <p:spPr>
+          <a:xfrm>
+            <a:off x="3454400" y="1554480"/>
+            <a:ext cx="4222308" cy="3886202"/>
+          </a:xfrm>
+        </p:spPr>
         <p:txBody>
           <a:bodyPr vert="eaVert"/>
           <a:lstStyle/>
@@ -431,7 +457,7 @@
               <a:rPr lang="en-US" smtClean="0"/>
               <a:t>Fifth level</a:t>
             </a:r>
-            <a:endParaRPr lang="en-US"/>
+            <a:endParaRPr lang="en-US" dirty="0"/>
           </a:p>
         </p:txBody>
       </p:sp>
@@ -453,7 +479,7 @@
             <a:fld id="{1D8BD707-D9CF-40AE-B4C6-C98DA3205C09}" type="datetimeFigureOut">
               <a:rPr lang="en-US" smtClean="0"/>
               <a:pPr/>
-              <a:t>9/18/2006</a:t>
+              <a:t>20/12/2017</a:t>
             </a:fld>
             <a:endParaRPr lang="en-US"/>
           </a:p>
@@ -507,6 +533,13 @@
   <p:clrMapOvr>
     <a:masterClrMapping/>
   </p:clrMapOvr>
+  <p:timing>
+    <p:tnLst>
+      <p:par>
+        <p:cTn id="1" dur="indefinite" restart="never" nodeType="tmRoot"/>
+      </p:par>
+    </p:tnLst>
+  </p:timing>
 </p:sldLayout>
 </file>
 
@@ -539,8 +572,8 @@
         </p:nvSpPr>
         <p:spPr>
           <a:xfrm>
-            <a:off x="6629400" y="274638"/>
-            <a:ext cx="2057400" cy="5851525"/>
+            <a:off x="1069848" y="1554480"/>
+            <a:ext cx="2075688" cy="3886200"/>
           </a:xfrm>
         </p:spPr>
         <p:txBody>
@@ -551,7 +584,7 @@
               <a:rPr lang="en-US" smtClean="0"/>
               <a:t>Click to edit Master title style</a:t>
             </a:r>
-            <a:endParaRPr lang="en-US"/>
+            <a:endParaRPr lang="en-US" dirty="0"/>
           </a:p>
         </p:txBody>
       </p:sp>
@@ -567,13 +600,29 @@
         </p:nvSpPr>
         <p:spPr>
           <a:xfrm>
-            <a:off x="457200" y="274638"/>
-            <a:ext cx="6019800" cy="5851525"/>
+            <a:off x="3456432" y="1554480"/>
+            <a:ext cx="4224528" cy="3886200"/>
           </a:xfrm>
         </p:spPr>
         <p:txBody>
           <a:bodyPr vert="eaVert"/>
-          <a:lstStyle/>
+          <a:lstStyle>
+            <a:lvl1pPr algn="l">
+              <a:defRPr/>
+            </a:lvl1pPr>
+            <a:lvl2pPr algn="l">
+              <a:defRPr/>
+            </a:lvl2pPr>
+            <a:lvl3pPr algn="l">
+              <a:defRPr/>
+            </a:lvl3pPr>
+            <a:lvl4pPr algn="l">
+              <a:defRPr/>
+            </a:lvl4pPr>
+            <a:lvl5pPr algn="l">
+              <a:defRPr/>
+            </a:lvl5pPr>
+          </a:lstStyle>
           <a:p>
             <a:pPr lvl="0"/>
             <a:r>
@@ -630,7 +679,7 @@
             <a:fld id="{1D8BD707-D9CF-40AE-B4C6-C98DA3205C09}" type="datetimeFigureOut">
               <a:rPr lang="en-US" smtClean="0"/>
               <a:pPr/>
-              <a:t>9/18/2006</a:t>
+              <a:t>20/12/2017</a:t>
             </a:fld>
             <a:endParaRPr lang="en-US"/>
           </a:p>
@@ -684,6 +733,13 @@
   <p:clrMapOvr>
     <a:masterClrMapping/>
   </p:clrMapOvr>
+  <p:timing>
+    <p:tnLst>
+      <p:par>
+        <p:cTn id="1" dur="indefinite" restart="never" nodeType="tmRoot"/>
+      </p:par>
+    </p:tnLst>
+  </p:timing>
 </p:sldLayout>
 </file>
 
@@ -706,22 +762,56 @@
       </p:grpSpPr>
       <p:sp>
         <p:nvSpPr>
-          <p:cNvPr id="2" name="Title 1"/>
-          <p:cNvSpPr>
-            <a:spLocks noGrp="1"/>
-          </p:cNvSpPr>
-          <p:nvPr>
-            <p:ph type="title"/>
-          </p:nvPr>
-        </p:nvSpPr>
-        <p:spPr/>
+          <p:cNvPr id="8" name="Content Placeholder 7"/>
+          <p:cNvSpPr>
+            <a:spLocks noGrp="1"/>
+          </p:cNvSpPr>
+          <p:nvPr>
+            <p:ph sz="quarter" idx="13"/>
+          </p:nvPr>
+        </p:nvSpPr>
+        <p:spPr>
+          <a:xfrm>
+            <a:off x="3456432" y="1545336"/>
+            <a:ext cx="4224528" cy="3886200"/>
+          </a:xfrm>
+        </p:spPr>
         <p:txBody>
           <a:bodyPr/>
           <a:lstStyle/>
           <a:p>
-            <a:r>
-              <a:rPr lang="en-US" smtClean="0"/>
-              <a:t>Click to edit Master title style</a:t>
+            <a:pPr lvl="0"/>
+            <a:r>
+              <a:rPr lang="en-US" smtClean="0"/>
+              <a:t>Click to edit Master text styles</a:t>
+            </a:r>
+          </a:p>
+          <a:p>
+            <a:pPr lvl="1"/>
+            <a:r>
+              <a:rPr lang="en-US" smtClean="0"/>
+              <a:t>Second level</a:t>
+            </a:r>
+          </a:p>
+          <a:p>
+            <a:pPr lvl="2"/>
+            <a:r>
+              <a:rPr lang="en-US" smtClean="0"/>
+              <a:t>Third level</a:t>
+            </a:r>
+          </a:p>
+          <a:p>
+            <a:pPr lvl="3"/>
+            <a:r>
+              <a:rPr lang="en-US" smtClean="0"/>
+              <a:t>Fourth level</a:t>
+            </a:r>
+          </a:p>
+          <a:p>
+            <a:pPr lvl="4"/>
+            <a:r>
+              <a:rPr lang="en-US" smtClean="0"/>
+              <a:t>Fifth level</a:t>
             </a:r>
             <a:endParaRPr lang="en-US"/>
           </a:p>
@@ -729,12 +819,12 @@
       </p:sp>
       <p:sp>
         <p:nvSpPr>
-          <p:cNvPr id="3" name="Content Placeholder 2"/>
-          <p:cNvSpPr>
-            <a:spLocks noGrp="1"/>
-          </p:cNvSpPr>
-          <p:nvPr>
-            <p:ph idx="1"/>
+          <p:cNvPr id="9" name="Date Placeholder 8"/>
+          <p:cNvSpPr>
+            <a:spLocks noGrp="1"/>
+          </p:cNvSpPr>
+          <p:nvPr>
+            <p:ph type="dt" sz="half" idx="14"/>
           </p:nvPr>
         </p:nvSpPr>
         <p:spPr/>
@@ -742,62 +832,10 @@
           <a:bodyPr/>
           <a:lstStyle/>
           <a:p>
-            <a:pPr lvl="0"/>
-            <a:r>
-              <a:rPr lang="en-US" smtClean="0"/>
-              <a:t>Click to edit Master text styles</a:t>
-            </a:r>
-          </a:p>
-          <a:p>
-            <a:pPr lvl="1"/>
-            <a:r>
-              <a:rPr lang="en-US" smtClean="0"/>
-              <a:t>Second level</a:t>
-            </a:r>
-          </a:p>
-          <a:p>
-            <a:pPr lvl="2"/>
-            <a:r>
-              <a:rPr lang="en-US" smtClean="0"/>
-              <a:t>Third level</a:t>
-            </a:r>
-          </a:p>
-          <a:p>
-            <a:pPr lvl="3"/>
-            <a:r>
-              <a:rPr lang="en-US" smtClean="0"/>
-              <a:t>Fourth level</a:t>
-            </a:r>
-          </a:p>
-          <a:p>
-            <a:pPr lvl="4"/>
-            <a:r>
-              <a:rPr lang="en-US" smtClean="0"/>
-              <a:t>Fifth level</a:t>
-            </a:r>
-            <a:endParaRPr lang="en-US"/>
-          </a:p>
-        </p:txBody>
-      </p:sp>
-      <p:sp>
-        <p:nvSpPr>
-          <p:cNvPr id="4" name="Date Placeholder 3"/>
-          <p:cNvSpPr>
-            <a:spLocks noGrp="1"/>
-          </p:cNvSpPr>
-          <p:nvPr>
-            <p:ph type="dt" sz="half" idx="10"/>
-          </p:nvPr>
-        </p:nvSpPr>
-        <p:spPr/>
-        <p:txBody>
-          <a:bodyPr/>
-          <a:lstStyle/>
-          <a:p>
             <a:fld id="{1D8BD707-D9CF-40AE-B4C6-C98DA3205C09}" type="datetimeFigureOut">
               <a:rPr lang="en-US" smtClean="0"/>
               <a:pPr/>
-              <a:t>9/18/2006</a:t>
+              <a:t>20/12/2017</a:t>
             </a:fld>
             <a:endParaRPr lang="en-US"/>
           </a:p>
@@ -805,31 +843,12 @@
       </p:sp>
       <p:sp>
         <p:nvSpPr>
-          <p:cNvPr id="5" name="Footer Placeholder 4"/>
-          <p:cNvSpPr>
-            <a:spLocks noGrp="1"/>
-          </p:cNvSpPr>
-          <p:nvPr>
-            <p:ph type="ftr" sz="quarter" idx="11"/>
-          </p:nvPr>
-        </p:nvSpPr>
-        <p:spPr/>
-        <p:txBody>
-          <a:bodyPr/>
-          <a:lstStyle/>
-          <a:p>
-            <a:endParaRPr lang="en-US"/>
-          </a:p>
-        </p:txBody>
-      </p:sp>
-      <p:sp>
-        <p:nvSpPr>
-          <p:cNvPr id="6" name="Slide Number Placeholder 5"/>
-          <p:cNvSpPr>
-            <a:spLocks noGrp="1"/>
-          </p:cNvSpPr>
-          <p:nvPr>
-            <p:ph type="sldNum" sz="quarter" idx="12"/>
+          <p:cNvPr id="10" name="Slide Number Placeholder 9"/>
+          <p:cNvSpPr>
+            <a:spLocks noGrp="1"/>
+          </p:cNvSpPr>
+          <p:nvPr>
+            <p:ph type="sldNum" sz="quarter" idx="15"/>
           </p:nvPr>
         </p:nvSpPr>
         <p:spPr/>
@@ -843,6 +862,48 @@
               <a:t>‹#›</a:t>
             </a:fld>
             <a:endParaRPr lang="en-US"/>
+          </a:p>
+        </p:txBody>
+      </p:sp>
+      <p:sp>
+        <p:nvSpPr>
+          <p:cNvPr id="11" name="Footer Placeholder 10"/>
+          <p:cNvSpPr>
+            <a:spLocks noGrp="1"/>
+          </p:cNvSpPr>
+          <p:nvPr>
+            <p:ph type="ftr" sz="quarter" idx="16"/>
+          </p:nvPr>
+        </p:nvSpPr>
+        <p:spPr/>
+        <p:txBody>
+          <a:bodyPr/>
+          <a:lstStyle/>
+          <a:p>
+            <a:endParaRPr lang="en-US"/>
+          </a:p>
+        </p:txBody>
+      </p:sp>
+      <p:sp>
+        <p:nvSpPr>
+          <p:cNvPr id="12" name="Title 11"/>
+          <p:cNvSpPr>
+            <a:spLocks noGrp="1"/>
+          </p:cNvSpPr>
+          <p:nvPr>
+            <p:ph type="title"/>
+          </p:nvPr>
+        </p:nvSpPr>
+        <p:spPr/>
+        <p:txBody>
+          <a:bodyPr/>
+          <a:lstStyle/>
+          <a:p>
+            <a:r>
+              <a:rPr lang="en-US" smtClean="0"/>
+              <a:t>Click to edit Master title style</a:t>
+            </a:r>
+            <a:endParaRPr lang="en-US" dirty="0"/>
           </a:p>
         </p:txBody>
       </p:sp>
@@ -851,6 +912,13 @@
   <p:clrMapOvr>
     <a:masterClrMapping/>
   </p:clrMapOvr>
+  <p:timing>
+    <p:tnLst>
+      <p:par>
+        <p:cTn id="1" dur="indefinite" restart="never" nodeType="tmRoot"/>
+      </p:par>
+    </p:tnLst>
+  </p:timing>
 </p:sldLayout>
 </file>
 
@@ -883,15 +951,17 @@
         </p:nvSpPr>
         <p:spPr>
           <a:xfrm>
-            <a:off x="722313" y="4406900"/>
-            <a:ext cx="7772400" cy="1362075"/>
+            <a:off x="1069848" y="1472184"/>
+            <a:ext cx="6172200" cy="2130552"/>
           </a:xfrm>
         </p:spPr>
         <p:txBody>
-          <a:bodyPr anchor="t"/>
+          <a:bodyPr anchor="t">
+            <a:noAutofit/>
+          </a:bodyPr>
           <a:lstStyle>
             <a:lvl1pPr algn="l">
-              <a:defRPr sz="4000" b="1" cap="all"/>
+              <a:defRPr sz="4800" b="1" cap="all"/>
             </a:lvl1pPr>
           </a:lstStyle>
           <a:p>
@@ -899,7 +969,7 @@
               <a:rPr lang="en-US" smtClean="0"/>
               <a:t>Click to edit Master title style</a:t>
             </a:r>
-            <a:endParaRPr lang="en-US"/>
+            <a:endParaRPr lang="en-US" dirty="0"/>
           </a:p>
         </p:txBody>
       </p:sp>
@@ -915,16 +985,18 @@
         </p:nvSpPr>
         <p:spPr>
           <a:xfrm>
-            <a:off x="722313" y="2906713"/>
-            <a:ext cx="7772400" cy="1500187"/>
+            <a:off x="1069848" y="3886200"/>
+            <a:ext cx="6172200" cy="914400"/>
           </a:xfrm>
         </p:spPr>
         <p:txBody>
-          <a:bodyPr anchor="b"/>
+          <a:bodyPr anchor="t">
+            <a:normAutofit/>
+          </a:bodyPr>
           <a:lstStyle>
             <a:lvl1pPr marL="0" indent="0">
               <a:buNone/>
-              <a:defRPr sz="2000">
+              <a:defRPr sz="1800">
                 <a:solidFill>
                   <a:schemeClr val="tx1">
                     <a:tint val="75000"/>
@@ -1024,7 +1096,7 @@
       </p:sp>
       <p:sp>
         <p:nvSpPr>
-          <p:cNvPr id="4" name="Date Placeholder 3"/>
+          <p:cNvPr id="7" name="Date Placeholder 6"/>
           <p:cNvSpPr>
             <a:spLocks noGrp="1"/>
           </p:cNvSpPr>
@@ -1040,7 +1112,7 @@
             <a:fld id="{1D8BD707-D9CF-40AE-B4C6-C98DA3205C09}" type="datetimeFigureOut">
               <a:rPr lang="en-US" smtClean="0"/>
               <a:pPr/>
-              <a:t>9/18/2006</a:t>
+              <a:t>20/12/2017</a:t>
             </a:fld>
             <a:endParaRPr lang="en-US"/>
           </a:p>
@@ -1048,31 +1120,12 @@
       </p:sp>
       <p:sp>
         <p:nvSpPr>
-          <p:cNvPr id="5" name="Footer Placeholder 4"/>
-          <p:cNvSpPr>
-            <a:spLocks noGrp="1"/>
-          </p:cNvSpPr>
-          <p:nvPr>
-            <p:ph type="ftr" sz="quarter" idx="11"/>
-          </p:nvPr>
-        </p:nvSpPr>
-        <p:spPr/>
-        <p:txBody>
-          <a:bodyPr/>
-          <a:lstStyle/>
-          <a:p>
-            <a:endParaRPr lang="en-US"/>
-          </a:p>
-        </p:txBody>
-      </p:sp>
-      <p:sp>
-        <p:nvSpPr>
-          <p:cNvPr id="6" name="Slide Number Placeholder 5"/>
-          <p:cNvSpPr>
-            <a:spLocks noGrp="1"/>
-          </p:cNvSpPr>
-          <p:nvPr>
-            <p:ph type="sldNum" sz="quarter" idx="12"/>
+          <p:cNvPr id="8" name="Slide Number Placeholder 7"/>
+          <p:cNvSpPr>
+            <a:spLocks noGrp="1"/>
+          </p:cNvSpPr>
+          <p:nvPr>
+            <p:ph type="sldNum" sz="quarter" idx="11"/>
           </p:nvPr>
         </p:nvSpPr>
         <p:spPr/>
@@ -1085,6 +1138,25 @@
               <a:pPr/>
               <a:t>‹#›</a:t>
             </a:fld>
+            <a:endParaRPr lang="en-US"/>
+          </a:p>
+        </p:txBody>
+      </p:sp>
+      <p:sp>
+        <p:nvSpPr>
+          <p:cNvPr id="9" name="Footer Placeholder 8"/>
+          <p:cNvSpPr>
+            <a:spLocks noGrp="1"/>
+          </p:cNvSpPr>
+          <p:nvPr>
+            <p:ph type="ftr" sz="quarter" idx="12"/>
+          </p:nvPr>
+        </p:nvSpPr>
+        <p:spPr/>
+        <p:txBody>
+          <a:bodyPr/>
+          <a:lstStyle/>
+          <a:p>
             <a:endParaRPr lang="en-US"/>
           </a:p>
         </p:txBody>
@@ -1094,6 +1166,13 @@
   <p:clrMapOvr>
     <a:masterClrMapping/>
   </p:clrMapOvr>
+  <p:timing>
+    <p:tnLst>
+      <p:par>
+        <p:cTn id="1" dur="indefinite" restart="never" nodeType="tmRoot"/>
+      </p:par>
+    </p:tnLst>
+  </p:timing>
 </p:sldLayout>
 </file>
 
@@ -1124,7 +1203,12 @@
             <p:ph type="title"/>
           </p:nvPr>
         </p:nvSpPr>
-        <p:spPr/>
+        <p:spPr>
+          <a:xfrm>
+            <a:off x="493776" y="609600"/>
+            <a:ext cx="3616325" cy="1066800"/>
+          </a:xfrm>
+        </p:spPr>
         <p:txBody>
           <a:bodyPr/>
           <a:lstStyle/>
@@ -1133,7 +1217,7 @@
               <a:rPr lang="en-US" smtClean="0"/>
               <a:t>Click to edit Master title style</a:t>
             </a:r>
-            <a:endParaRPr lang="en-US"/>
+            <a:endParaRPr lang="en-US" dirty="0"/>
           </a:p>
         </p:txBody>
       </p:sp>
@@ -1149,21 +1233,23 @@
         </p:nvSpPr>
         <p:spPr>
           <a:xfrm>
-            <a:off x="457200" y="1600200"/>
-            <a:ext cx="4038600" cy="4525963"/>
+            <a:off x="4486998" y="1915859"/>
+            <a:ext cx="3646966" cy="2881426"/>
           </a:xfrm>
         </p:spPr>
         <p:txBody>
-          <a:bodyPr/>
+          <a:bodyPr>
+            <a:normAutofit/>
+          </a:bodyPr>
           <a:lstStyle>
             <a:lvl1pPr>
-              <a:defRPr sz="2800"/>
+              <a:defRPr sz="1800"/>
             </a:lvl1pPr>
             <a:lvl2pPr>
-              <a:defRPr sz="2400"/>
+              <a:defRPr sz="1800"/>
             </a:lvl2pPr>
             <a:lvl3pPr>
-              <a:defRPr sz="2000"/>
+              <a:defRPr sz="1800"/>
             </a:lvl3pPr>
             <a:lvl4pPr>
               <a:defRPr sz="1800"/>
@@ -1218,7 +1304,7 @@
               <a:rPr lang="en-US" smtClean="0"/>
               <a:t>Fifth level</a:t>
             </a:r>
-            <a:endParaRPr lang="en-US"/>
+            <a:endParaRPr lang="en-US" dirty="0"/>
           </a:p>
         </p:txBody>
       </p:sp>
@@ -1234,21 +1320,23 @@
         </p:nvSpPr>
         <p:spPr>
           <a:xfrm>
-            <a:off x="4648200" y="1600200"/>
-            <a:ext cx="4038600" cy="4525963"/>
+            <a:off x="496754" y="1915881"/>
+            <a:ext cx="3639311" cy="2881398"/>
           </a:xfrm>
         </p:spPr>
         <p:txBody>
-          <a:bodyPr/>
+          <a:bodyPr>
+            <a:normAutofit/>
+          </a:bodyPr>
           <a:lstStyle>
             <a:lvl1pPr>
-              <a:defRPr sz="2800"/>
+              <a:defRPr sz="1800"/>
             </a:lvl1pPr>
             <a:lvl2pPr>
-              <a:defRPr sz="2400"/>
+              <a:defRPr sz="1800"/>
             </a:lvl2pPr>
             <a:lvl3pPr>
-              <a:defRPr sz="2000"/>
+              <a:defRPr sz="1800"/>
             </a:lvl3pPr>
             <a:lvl4pPr>
               <a:defRPr sz="1800"/>
@@ -1303,13 +1391,13 @@
               <a:rPr lang="en-US" smtClean="0"/>
               <a:t>Fifth level</a:t>
             </a:r>
-            <a:endParaRPr lang="en-US"/>
-          </a:p>
-        </p:txBody>
-      </p:sp>
-      <p:sp>
-        <p:nvSpPr>
-          <p:cNvPr id="5" name="Date Placeholder 4"/>
+            <a:endParaRPr lang="en-US" dirty="0"/>
+          </a:p>
+        </p:txBody>
+      </p:sp>
+      <p:sp>
+        <p:nvSpPr>
+          <p:cNvPr id="9" name="Date Placeholder 8"/>
           <p:cNvSpPr>
             <a:spLocks noGrp="1"/>
           </p:cNvSpPr>
@@ -1325,7 +1413,7 @@
             <a:fld id="{1D8BD707-D9CF-40AE-B4C6-C98DA3205C09}" type="datetimeFigureOut">
               <a:rPr lang="en-US" smtClean="0"/>
               <a:pPr/>
-              <a:t>9/18/2006</a:t>
+              <a:t>20/12/2017</a:t>
             </a:fld>
             <a:endParaRPr lang="en-US"/>
           </a:p>
@@ -1333,31 +1421,12 @@
       </p:sp>
       <p:sp>
         <p:nvSpPr>
-          <p:cNvPr id="6" name="Footer Placeholder 5"/>
-          <p:cNvSpPr>
-            <a:spLocks noGrp="1"/>
-          </p:cNvSpPr>
-          <p:nvPr>
-            <p:ph type="ftr" sz="quarter" idx="11"/>
-          </p:nvPr>
-        </p:nvSpPr>
-        <p:spPr/>
-        <p:txBody>
-          <a:bodyPr/>
-          <a:lstStyle/>
-          <a:p>
-            <a:endParaRPr lang="en-US"/>
-          </a:p>
-        </p:txBody>
-      </p:sp>
-      <p:sp>
-        <p:nvSpPr>
-          <p:cNvPr id="7" name="Slide Number Placeholder 6"/>
-          <p:cNvSpPr>
-            <a:spLocks noGrp="1"/>
-          </p:cNvSpPr>
-          <p:nvPr>
-            <p:ph type="sldNum" sz="quarter" idx="12"/>
+          <p:cNvPr id="10" name="Slide Number Placeholder 9"/>
+          <p:cNvSpPr>
+            <a:spLocks noGrp="1"/>
+          </p:cNvSpPr>
+          <p:nvPr>
+            <p:ph type="sldNum" sz="quarter" idx="11"/>
           </p:nvPr>
         </p:nvSpPr>
         <p:spPr/>
@@ -1370,6 +1439,30 @@
               <a:pPr/>
               <a:t>‹#›</a:t>
             </a:fld>
+            <a:endParaRPr lang="en-US"/>
+          </a:p>
+        </p:txBody>
+      </p:sp>
+      <p:sp>
+        <p:nvSpPr>
+          <p:cNvPr id="11" name="Footer Placeholder 10"/>
+          <p:cNvSpPr>
+            <a:spLocks noGrp="1"/>
+          </p:cNvSpPr>
+          <p:nvPr>
+            <p:ph type="ftr" sz="quarter" idx="12"/>
+          </p:nvPr>
+        </p:nvSpPr>
+        <p:spPr>
+          <a:xfrm>
+            <a:off x="493776" y="6356350"/>
+            <a:ext cx="5102352" cy="365125"/>
+          </a:xfrm>
+        </p:spPr>
+        <p:txBody>
+          <a:bodyPr/>
+          <a:lstStyle/>
+          <a:p>
             <a:endParaRPr lang="en-US"/>
           </a:p>
         </p:txBody>
@@ -1379,6 +1472,13 @@
   <p:clrMapOvr>
     <a:masterClrMapping/>
   </p:clrMapOvr>
+  <p:timing>
+    <p:tnLst>
+      <p:par>
+        <p:cTn id="1" dur="indefinite" restart="never" nodeType="tmRoot"/>
+      </p:par>
+    </p:tnLst>
+  </p:timing>
 </p:sldLayout>
 </file>
 
@@ -1409,7 +1509,12 @@
             <p:ph type="title"/>
           </p:nvPr>
         </p:nvSpPr>
-        <p:spPr/>
+        <p:spPr>
+          <a:xfrm>
+            <a:off x="493776" y="609600"/>
+            <a:ext cx="3615734" cy="1066799"/>
+          </a:xfrm>
+        </p:spPr>
         <p:txBody>
           <a:bodyPr/>
           <a:lstStyle>
@@ -1422,7 +1527,7 @@
               <a:rPr lang="en-US" smtClean="0"/>
               <a:t>Click to edit Master title style</a:t>
             </a:r>
-            <a:endParaRPr lang="en-US"/>
+            <a:endParaRPr lang="en-US" dirty="0"/>
           </a:p>
         </p:txBody>
       </p:sp>
@@ -1438,16 +1543,18 @@
         </p:nvSpPr>
         <p:spPr>
           <a:xfrm>
-            <a:off x="457200" y="1535113"/>
-            <a:ext cx="4040188" cy="639762"/>
+            <a:off x="495301" y="1916113"/>
+            <a:ext cx="3638550" cy="646112"/>
           </a:xfrm>
         </p:spPr>
         <p:txBody>
-          <a:bodyPr anchor="b"/>
+          <a:bodyPr anchor="t">
+            <a:normAutofit/>
+          </a:bodyPr>
           <a:lstStyle>
             <a:lvl1pPr marL="0" indent="0">
               <a:buNone/>
-              <a:defRPr sz="2400" b="1"/>
+              <a:defRPr sz="1800" b="0"/>
             </a:lvl1pPr>
             <a:lvl2pPr marL="457200" indent="0">
               <a:buNone/>
@@ -1503,27 +1610,29 @@
         </p:nvSpPr>
         <p:spPr>
           <a:xfrm>
-            <a:off x="457200" y="2174875"/>
-            <a:ext cx="4040188" cy="3951288"/>
+            <a:off x="495300" y="2860676"/>
+            <a:ext cx="3638550" cy="2882899"/>
           </a:xfrm>
         </p:spPr>
         <p:txBody>
-          <a:bodyPr/>
+          <a:bodyPr>
+            <a:normAutofit/>
+          </a:bodyPr>
           <a:lstStyle>
             <a:lvl1pPr>
-              <a:defRPr sz="2400"/>
+              <a:defRPr sz="1800"/>
             </a:lvl1pPr>
             <a:lvl2pPr>
-              <a:defRPr sz="2000"/>
+              <a:defRPr sz="1800"/>
             </a:lvl2pPr>
             <a:lvl3pPr>
               <a:defRPr sz="1800"/>
             </a:lvl3pPr>
             <a:lvl4pPr>
-              <a:defRPr sz="1600"/>
+              <a:defRPr sz="1800"/>
             </a:lvl4pPr>
             <a:lvl5pPr>
-              <a:defRPr sz="1600"/>
+              <a:defRPr sz="1800"/>
             </a:lvl5pPr>
             <a:lvl6pPr>
               <a:defRPr sz="1600"/>
@@ -1572,7 +1681,7 @@
               <a:rPr lang="en-US" smtClean="0"/>
               <a:t>Fifth level</a:t>
             </a:r>
-            <a:endParaRPr lang="en-US"/>
+            <a:endParaRPr lang="en-US" dirty="0"/>
           </a:p>
         </p:txBody>
       </p:sp>
@@ -1588,16 +1697,18 @@
         </p:nvSpPr>
         <p:spPr>
           <a:xfrm>
-            <a:off x="4645025" y="1535113"/>
-            <a:ext cx="4041775" cy="639762"/>
+            <a:off x="4492625" y="1916113"/>
+            <a:ext cx="3660775" cy="646112"/>
           </a:xfrm>
         </p:spPr>
         <p:txBody>
-          <a:bodyPr anchor="b"/>
+          <a:bodyPr anchor="t">
+            <a:normAutofit/>
+          </a:bodyPr>
           <a:lstStyle>
             <a:lvl1pPr marL="0" indent="0">
               <a:buNone/>
-              <a:defRPr sz="2400" b="1"/>
+              <a:defRPr sz="1800" b="0"/>
             </a:lvl1pPr>
             <a:lvl2pPr marL="457200" indent="0">
               <a:buNone/>
@@ -1653,27 +1764,29 @@
         </p:nvSpPr>
         <p:spPr>
           <a:xfrm>
-            <a:off x="4645025" y="2174875"/>
-            <a:ext cx="4041775" cy="3951288"/>
+            <a:off x="4492626" y="2860676"/>
+            <a:ext cx="3651250" cy="2882900"/>
           </a:xfrm>
         </p:spPr>
         <p:txBody>
-          <a:bodyPr/>
+          <a:bodyPr>
+            <a:normAutofit/>
+          </a:bodyPr>
           <a:lstStyle>
             <a:lvl1pPr>
-              <a:defRPr sz="2400"/>
+              <a:defRPr sz="1800"/>
             </a:lvl1pPr>
             <a:lvl2pPr>
-              <a:defRPr sz="2000"/>
+              <a:defRPr sz="1800"/>
             </a:lvl2pPr>
             <a:lvl3pPr>
               <a:defRPr sz="1800"/>
             </a:lvl3pPr>
             <a:lvl4pPr>
-              <a:defRPr sz="1600"/>
+              <a:defRPr sz="1800"/>
             </a:lvl4pPr>
             <a:lvl5pPr>
-              <a:defRPr sz="1600"/>
+              <a:defRPr sz="1800"/>
             </a:lvl5pPr>
             <a:lvl6pPr>
               <a:defRPr sz="1600"/>
@@ -1722,13 +1835,13 @@
               <a:rPr lang="en-US" smtClean="0"/>
               <a:t>Fifth level</a:t>
             </a:r>
-            <a:endParaRPr lang="en-US"/>
-          </a:p>
-        </p:txBody>
-      </p:sp>
-      <p:sp>
-        <p:nvSpPr>
-          <p:cNvPr id="7" name="Date Placeholder 6"/>
+            <a:endParaRPr lang="en-US" dirty="0"/>
+          </a:p>
+        </p:txBody>
+      </p:sp>
+      <p:sp>
+        <p:nvSpPr>
+          <p:cNvPr id="10" name="Date Placeholder 9"/>
           <p:cNvSpPr>
             <a:spLocks noGrp="1"/>
           </p:cNvSpPr>
@@ -1744,7 +1857,7 @@
             <a:fld id="{1D8BD707-D9CF-40AE-B4C6-C98DA3205C09}" type="datetimeFigureOut">
               <a:rPr lang="en-US" smtClean="0"/>
               <a:pPr/>
-              <a:t>9/18/2006</a:t>
+              <a:t>20/12/2017</a:t>
             </a:fld>
             <a:endParaRPr lang="en-US"/>
           </a:p>
@@ -1752,31 +1865,12 @@
       </p:sp>
       <p:sp>
         <p:nvSpPr>
-          <p:cNvPr id="8" name="Footer Placeholder 7"/>
-          <p:cNvSpPr>
-            <a:spLocks noGrp="1"/>
-          </p:cNvSpPr>
-          <p:nvPr>
-            <p:ph type="ftr" sz="quarter" idx="11"/>
-          </p:nvPr>
-        </p:nvSpPr>
-        <p:spPr/>
-        <p:txBody>
-          <a:bodyPr/>
-          <a:lstStyle/>
-          <a:p>
-            <a:endParaRPr lang="en-US"/>
-          </a:p>
-        </p:txBody>
-      </p:sp>
-      <p:sp>
-        <p:nvSpPr>
-          <p:cNvPr id="9" name="Slide Number Placeholder 8"/>
-          <p:cNvSpPr>
-            <a:spLocks noGrp="1"/>
-          </p:cNvSpPr>
-          <p:nvPr>
-            <p:ph type="sldNum" sz="quarter" idx="12"/>
+          <p:cNvPr id="11" name="Slide Number Placeholder 10"/>
+          <p:cNvSpPr>
+            <a:spLocks noGrp="1"/>
+          </p:cNvSpPr>
+          <p:nvPr>
+            <p:ph type="sldNum" sz="quarter" idx="11"/>
           </p:nvPr>
         </p:nvSpPr>
         <p:spPr/>
@@ -1789,6 +1883,30 @@
               <a:pPr/>
               <a:t>‹#›</a:t>
             </a:fld>
+            <a:endParaRPr lang="en-US"/>
+          </a:p>
+        </p:txBody>
+      </p:sp>
+      <p:sp>
+        <p:nvSpPr>
+          <p:cNvPr id="12" name="Footer Placeholder 11"/>
+          <p:cNvSpPr>
+            <a:spLocks noGrp="1"/>
+          </p:cNvSpPr>
+          <p:nvPr>
+            <p:ph type="ftr" sz="quarter" idx="12"/>
+          </p:nvPr>
+        </p:nvSpPr>
+        <p:spPr>
+          <a:xfrm>
+            <a:off x="493776" y="6356350"/>
+            <a:ext cx="5102352" cy="365125"/>
+          </a:xfrm>
+        </p:spPr>
+        <p:txBody>
+          <a:bodyPr/>
+          <a:lstStyle/>
+          <a:p>
             <a:endParaRPr lang="en-US"/>
           </a:p>
         </p:txBody>
@@ -1798,6 +1916,13 @@
   <p:clrMapOvr>
     <a:masterClrMapping/>
   </p:clrMapOvr>
+  <p:timing>
+    <p:tnLst>
+      <p:par>
+        <p:cTn id="1" dur="indefinite" restart="never" nodeType="tmRoot"/>
+      </p:par>
+    </p:tnLst>
+  </p:timing>
 </p:sldLayout>
 </file>
 
@@ -1820,35 +1945,41 @@
       </p:grpSpPr>
       <p:sp>
         <p:nvSpPr>
-          <p:cNvPr id="2" name="Title 1"/>
-          <p:cNvSpPr>
-            <a:spLocks noGrp="1"/>
-          </p:cNvSpPr>
-          <p:nvPr>
-            <p:ph type="title"/>
-          </p:nvPr>
-        </p:nvSpPr>
-        <p:spPr/>
+          <p:cNvPr id="3" name="Date Placeholder 2"/>
+          <p:cNvSpPr>
+            <a:spLocks noGrp="1"/>
+          </p:cNvSpPr>
+          <p:nvPr>
+            <p:ph type="dt" sz="half" idx="10"/>
+          </p:nvPr>
+        </p:nvSpPr>
+        <p:spPr>
+          <a:xfrm>
+            <a:off x="7162800" y="1551543"/>
+            <a:ext cx="1828800" cy="365125"/>
+          </a:xfrm>
+        </p:spPr>
         <p:txBody>
           <a:bodyPr/>
           <a:lstStyle/>
           <a:p>
-            <a:r>
-              <a:rPr lang="en-US" smtClean="0"/>
-              <a:t>Click to edit Master title style</a:t>
-            </a:r>
+            <a:fld id="{1D8BD707-D9CF-40AE-B4C6-C98DA3205C09}" type="datetimeFigureOut">
+              <a:rPr lang="en-US" smtClean="0"/>
+              <a:pPr/>
+              <a:t>20/12/2017</a:t>
+            </a:fld>
             <a:endParaRPr lang="en-US"/>
           </a:p>
         </p:txBody>
       </p:sp>
       <p:sp>
         <p:nvSpPr>
-          <p:cNvPr id="3" name="Date Placeholder 2"/>
-          <p:cNvSpPr>
-            <a:spLocks noGrp="1"/>
-          </p:cNvSpPr>
-          <p:nvPr>
-            <p:ph type="dt" sz="half" idx="10"/>
+          <p:cNvPr id="5" name="Title 4"/>
+          <p:cNvSpPr>
+            <a:spLocks noGrp="1"/>
+          </p:cNvSpPr>
+          <p:nvPr>
+            <p:ph type="title"/>
           </p:nvPr>
         </p:nvSpPr>
         <p:spPr/>
@@ -1856,42 +1987,22 @@
           <a:bodyPr/>
           <a:lstStyle/>
           <a:p>
-            <a:fld id="{1D8BD707-D9CF-40AE-B4C6-C98DA3205C09}" type="datetimeFigureOut">
-              <a:rPr lang="en-US" smtClean="0"/>
-              <a:pPr/>
-              <a:t>9/18/2006</a:t>
-            </a:fld>
-            <a:endParaRPr lang="en-US"/>
-          </a:p>
-        </p:txBody>
-      </p:sp>
-      <p:sp>
-        <p:nvSpPr>
-          <p:cNvPr id="4" name="Footer Placeholder 3"/>
-          <p:cNvSpPr>
-            <a:spLocks noGrp="1"/>
-          </p:cNvSpPr>
-          <p:nvPr>
-            <p:ph type="ftr" sz="quarter" idx="11"/>
-          </p:nvPr>
-        </p:nvSpPr>
-        <p:spPr/>
-        <p:txBody>
-          <a:bodyPr/>
-          <a:lstStyle/>
-          <a:p>
-            <a:endParaRPr lang="en-US"/>
-          </a:p>
-        </p:txBody>
-      </p:sp>
-      <p:sp>
-        <p:nvSpPr>
-          <p:cNvPr id="5" name="Slide Number Placeholder 4"/>
-          <p:cNvSpPr>
-            <a:spLocks noGrp="1"/>
-          </p:cNvSpPr>
-          <p:nvPr>
-            <p:ph type="sldNum" sz="quarter" idx="12"/>
+            <a:r>
+              <a:rPr lang="en-US" smtClean="0"/>
+              <a:t>Click to edit Master title style</a:t>
+            </a:r>
+            <a:endParaRPr lang="en-US" dirty="0"/>
+          </a:p>
+        </p:txBody>
+      </p:sp>
+      <p:sp>
+        <p:nvSpPr>
+          <p:cNvPr id="4" name="Slide Number Placeholder 3"/>
+          <p:cNvSpPr>
+            <a:spLocks noGrp="1"/>
+          </p:cNvSpPr>
+          <p:nvPr>
+            <p:ph type="sldNum" sz="quarter" idx="11"/>
           </p:nvPr>
         </p:nvSpPr>
         <p:spPr/>
@@ -1904,6 +2015,25 @@
               <a:pPr/>
               <a:t>‹#›</a:t>
             </a:fld>
+            <a:endParaRPr lang="en-US"/>
+          </a:p>
+        </p:txBody>
+      </p:sp>
+      <p:sp>
+        <p:nvSpPr>
+          <p:cNvPr id="6" name="Footer Placeholder 5"/>
+          <p:cNvSpPr>
+            <a:spLocks noGrp="1"/>
+          </p:cNvSpPr>
+          <p:nvPr>
+            <p:ph type="ftr" sz="quarter" idx="12"/>
+          </p:nvPr>
+        </p:nvSpPr>
+        <p:spPr/>
+        <p:txBody>
+          <a:bodyPr/>
+          <a:lstStyle/>
+          <a:p>
             <a:endParaRPr lang="en-US"/>
           </a:p>
         </p:txBody>
@@ -1913,6 +2043,13 @@
   <p:clrMapOvr>
     <a:masterClrMapping/>
   </p:clrMapOvr>
+  <p:timing>
+    <p:tnLst>
+      <p:par>
+        <p:cTn id="1" dur="indefinite" restart="never" nodeType="tmRoot"/>
+      </p:par>
+    </p:tnLst>
+  </p:timing>
 </p:sldLayout>
 </file>
 
@@ -1951,7 +2088,7 @@
             <a:fld id="{1D8BD707-D9CF-40AE-B4C6-C98DA3205C09}" type="datetimeFigureOut">
               <a:rPr lang="en-US" smtClean="0"/>
               <a:pPr/>
-              <a:t>9/18/2006</a:t>
+              <a:t>20/12/2017</a:t>
             </a:fld>
             <a:endParaRPr lang="en-US"/>
           </a:p>
@@ -2005,6 +2142,13 @@
   <p:clrMapOvr>
     <a:masterClrMapping/>
   </p:clrMapOvr>
+  <p:timing>
+    <p:tnLst>
+      <p:par>
+        <p:cTn id="1" dur="indefinite" restart="never" nodeType="tmRoot"/>
+      </p:par>
+    </p:tnLst>
+  </p:timing>
 </p:sldLayout>
 </file>
 
@@ -2027,69 +2171,39 @@
       </p:grpSpPr>
       <p:sp>
         <p:nvSpPr>
-          <p:cNvPr id="2" name="Title 1"/>
-          <p:cNvSpPr>
-            <a:spLocks noGrp="1"/>
-          </p:cNvSpPr>
-          <p:nvPr>
-            <p:ph type="title"/>
+          <p:cNvPr id="3" name="Content Placeholder 2"/>
+          <p:cNvSpPr>
+            <a:spLocks noGrp="1"/>
+          </p:cNvSpPr>
+          <p:nvPr>
+            <p:ph idx="1"/>
           </p:nvPr>
         </p:nvSpPr>
         <p:spPr>
           <a:xfrm>
-            <a:off x="457200" y="273050"/>
-            <a:ext cx="3008313" cy="1162050"/>
+            <a:off x="4489450" y="1920876"/>
+            <a:ext cx="3654425" cy="2889249"/>
           </a:xfrm>
         </p:spPr>
         <p:txBody>
-          <a:bodyPr anchor="b"/>
-          <a:lstStyle>
-            <a:lvl1pPr algn="l">
-              <a:defRPr sz="2000" b="1"/>
-            </a:lvl1pPr>
-          </a:lstStyle>
-          <a:p>
-            <a:r>
-              <a:rPr lang="en-US" smtClean="0"/>
-              <a:t>Click to edit Master title style</a:t>
-            </a:r>
-            <a:endParaRPr lang="en-US"/>
-          </a:p>
-        </p:txBody>
-      </p:sp>
-      <p:sp>
-        <p:nvSpPr>
-          <p:cNvPr id="3" name="Content Placeholder 2"/>
-          <p:cNvSpPr>
-            <a:spLocks noGrp="1"/>
-          </p:cNvSpPr>
-          <p:nvPr>
-            <p:ph idx="1"/>
-          </p:nvPr>
-        </p:nvSpPr>
-        <p:spPr>
-          <a:xfrm>
-            <a:off x="3575050" y="273050"/>
-            <a:ext cx="5111750" cy="5853113"/>
-          </a:xfrm>
-        </p:spPr>
-        <p:txBody>
-          <a:bodyPr/>
+          <a:bodyPr>
+            <a:normAutofit/>
+          </a:bodyPr>
           <a:lstStyle>
             <a:lvl1pPr>
-              <a:defRPr sz="3200"/>
+              <a:defRPr sz="1800"/>
             </a:lvl1pPr>
             <a:lvl2pPr>
-              <a:defRPr sz="2800"/>
+              <a:defRPr sz="1800"/>
             </a:lvl2pPr>
             <a:lvl3pPr>
-              <a:defRPr sz="2400"/>
+              <a:defRPr sz="1800"/>
             </a:lvl3pPr>
             <a:lvl4pPr>
-              <a:defRPr sz="2000"/>
+              <a:defRPr sz="1800"/>
             </a:lvl4pPr>
             <a:lvl5pPr>
-              <a:defRPr sz="2000"/>
+              <a:defRPr sz="1800"/>
             </a:lvl5pPr>
             <a:lvl6pPr>
               <a:defRPr sz="2000"/>
@@ -2138,32 +2252,68 @@
               <a:rPr lang="en-US" smtClean="0"/>
               <a:t>Fifth level</a:t>
             </a:r>
-            <a:endParaRPr lang="en-US"/>
-          </a:p>
-        </p:txBody>
-      </p:sp>
-      <p:sp>
-        <p:nvSpPr>
-          <p:cNvPr id="4" name="Text Placeholder 3"/>
-          <p:cNvSpPr>
-            <a:spLocks noGrp="1"/>
-          </p:cNvSpPr>
-          <p:nvPr>
-            <p:ph type="body" sz="half" idx="2"/>
+            <a:endParaRPr lang="en-US" dirty="0"/>
+          </a:p>
+        </p:txBody>
+      </p:sp>
+      <p:sp>
+        <p:nvSpPr>
+          <p:cNvPr id="2" name="Title 1"/>
+          <p:cNvSpPr>
+            <a:spLocks noGrp="1"/>
+          </p:cNvSpPr>
+          <p:nvPr>
+            <p:ph type="title"/>
           </p:nvPr>
         </p:nvSpPr>
         <p:spPr>
           <a:xfrm>
-            <a:off x="457200" y="1435100"/>
-            <a:ext cx="3008313" cy="4691063"/>
+            <a:off x="493776" y="606425"/>
+            <a:ext cx="3629025" cy="1041400"/>
           </a:xfrm>
         </p:spPr>
         <p:txBody>
-          <a:bodyPr/>
+          <a:bodyPr anchor="t">
+            <a:normAutofit/>
+          </a:bodyPr>
+          <a:lstStyle>
+            <a:lvl1pPr algn="l">
+              <a:defRPr sz="1800" b="1"/>
+            </a:lvl1pPr>
+          </a:lstStyle>
+          <a:p>
+            <a:r>
+              <a:rPr lang="en-US" smtClean="0"/>
+              <a:t>Click to edit Master title style</a:t>
+            </a:r>
+            <a:endParaRPr lang="en-US" dirty="0"/>
+          </a:p>
+        </p:txBody>
+      </p:sp>
+      <p:sp>
+        <p:nvSpPr>
+          <p:cNvPr id="4" name="Text Placeholder 3"/>
+          <p:cNvSpPr>
+            <a:spLocks noGrp="1"/>
+          </p:cNvSpPr>
+          <p:nvPr>
+            <p:ph type="body" sz="half" idx="2"/>
+          </p:nvPr>
+        </p:nvSpPr>
+        <p:spPr>
+          <a:xfrm>
+            <a:off x="495300" y="1920875"/>
+            <a:ext cx="3629025" cy="1812925"/>
+          </a:xfrm>
+        </p:spPr>
+        <p:txBody>
+          <a:bodyPr>
+            <a:normAutofit/>
+          </a:bodyPr>
           <a:lstStyle>
             <a:lvl1pPr marL="0" indent="0">
               <a:buNone/>
-              <a:defRPr sz="1400"/>
+              <a:defRPr sz="1800"/>
             </a:lvl1pPr>
             <a:lvl2pPr marL="457200" indent="0">
               <a:buNone/>
@@ -2209,7 +2359,7 @@
       </p:sp>
       <p:sp>
         <p:nvSpPr>
-          <p:cNvPr id="5" name="Date Placeholder 4"/>
+          <p:cNvPr id="8" name="Date Placeholder 7"/>
           <p:cNvSpPr>
             <a:spLocks noGrp="1"/>
           </p:cNvSpPr>
@@ -2225,7 +2375,7 @@
             <a:fld id="{1D8BD707-D9CF-40AE-B4C6-C98DA3205C09}" type="datetimeFigureOut">
               <a:rPr lang="en-US" smtClean="0"/>
               <a:pPr/>
-              <a:t>9/18/2006</a:t>
+              <a:t>20/12/2017</a:t>
             </a:fld>
             <a:endParaRPr lang="en-US"/>
           </a:p>
@@ -2233,31 +2383,12 @@
       </p:sp>
       <p:sp>
         <p:nvSpPr>
-          <p:cNvPr id="6" name="Footer Placeholder 5"/>
-          <p:cNvSpPr>
-            <a:spLocks noGrp="1"/>
-          </p:cNvSpPr>
-          <p:nvPr>
-            <p:ph type="ftr" sz="quarter" idx="11"/>
-          </p:nvPr>
-        </p:nvSpPr>
-        <p:spPr/>
-        <p:txBody>
-          <a:bodyPr/>
-          <a:lstStyle/>
-          <a:p>
-            <a:endParaRPr lang="en-US"/>
-          </a:p>
-        </p:txBody>
-      </p:sp>
-      <p:sp>
-        <p:nvSpPr>
-          <p:cNvPr id="7" name="Slide Number Placeholder 6"/>
-          <p:cNvSpPr>
-            <a:spLocks noGrp="1"/>
-          </p:cNvSpPr>
-          <p:nvPr>
-            <p:ph type="sldNum" sz="quarter" idx="12"/>
+          <p:cNvPr id="9" name="Slide Number Placeholder 8"/>
+          <p:cNvSpPr>
+            <a:spLocks noGrp="1"/>
+          </p:cNvSpPr>
+          <p:nvPr>
+            <p:ph type="sldNum" sz="quarter" idx="11"/>
           </p:nvPr>
         </p:nvSpPr>
         <p:spPr/>
@@ -2270,6 +2401,30 @@
               <a:pPr/>
               <a:t>‹#›</a:t>
             </a:fld>
+            <a:endParaRPr lang="en-US"/>
+          </a:p>
+        </p:txBody>
+      </p:sp>
+      <p:sp>
+        <p:nvSpPr>
+          <p:cNvPr id="10" name="Footer Placeholder 9"/>
+          <p:cNvSpPr>
+            <a:spLocks noGrp="1"/>
+          </p:cNvSpPr>
+          <p:nvPr>
+            <p:ph type="ftr" sz="quarter" idx="12"/>
+          </p:nvPr>
+        </p:nvSpPr>
+        <p:spPr>
+          <a:xfrm>
+            <a:off x="493776" y="6356350"/>
+            <a:ext cx="5102352" cy="365125"/>
+          </a:xfrm>
+        </p:spPr>
+        <p:txBody>
+          <a:bodyPr/>
+          <a:lstStyle/>
+          <a:p>
             <a:endParaRPr lang="en-US"/>
           </a:p>
         </p:txBody>
@@ -2279,6 +2434,13 @@
   <p:clrMapOvr>
     <a:masterClrMapping/>
   </p:clrMapOvr>
+  <p:timing>
+    <p:tnLst>
+      <p:par>
+        <p:cTn id="1" dur="indefinite" restart="never" nodeType="tmRoot"/>
+      </p:par>
+    </p:tnLst>
+  </p:timing>
 </p:sldLayout>
 </file>
 
@@ -2311,15 +2473,20 @@
         </p:nvSpPr>
         <p:spPr>
           <a:xfrm>
-            <a:off x="1792288" y="4800600"/>
-            <a:ext cx="5486400" cy="566738"/>
+            <a:off x="493776" y="600074"/>
+            <a:ext cx="2074862" cy="1981201"/>
           </a:xfrm>
+          <a:ln>
+            <a:noFill/>
+          </a:ln>
         </p:spPr>
         <p:txBody>
-          <a:bodyPr anchor="b"/>
+          <a:bodyPr anchor="t">
+            <a:normAutofit/>
+          </a:bodyPr>
           <a:lstStyle>
             <a:lvl1pPr algn="l">
-              <a:defRPr sz="2000" b="1"/>
+              <a:defRPr sz="1800" b="0"/>
             </a:lvl1pPr>
           </a:lstStyle>
           <a:p>
@@ -2327,7 +2494,7 @@
               <a:rPr lang="en-US" smtClean="0"/>
               <a:t>Click to edit Master title style</a:t>
             </a:r>
-            <a:endParaRPr lang="en-US"/>
+            <a:endParaRPr lang="en-US" dirty="0"/>
           </a:p>
         </p:txBody>
       </p:sp>
@@ -2343,8 +2510,8 @@
         </p:nvSpPr>
         <p:spPr>
           <a:xfrm>
-            <a:off x="1792288" y="612775"/>
-            <a:ext cx="5486400" cy="4114800"/>
+            <a:off x="2963862" y="1650999"/>
+            <a:ext cx="5627687" cy="4220765"/>
           </a:xfrm>
         </p:spPr>
         <p:txBody>
@@ -2388,7 +2555,11 @@
             </a:lvl9pPr>
           </a:lstStyle>
           <a:p>
-            <a:endParaRPr lang="en-US"/>
+            <a:r>
+              <a:rPr lang="en-US" smtClean="0"/>
+              <a:t>Click icon to add picture</a:t>
+            </a:r>
+            <a:endParaRPr lang="en-US" dirty="0"/>
           </a:p>
         </p:txBody>
       </p:sp>
@@ -2404,16 +2575,18 @@
         </p:nvSpPr>
         <p:spPr>
           <a:xfrm>
-            <a:off x="1792288" y="5367338"/>
-            <a:ext cx="5486400" cy="804862"/>
+            <a:off x="2963862" y="614363"/>
+            <a:ext cx="3741738" cy="909637"/>
           </a:xfrm>
         </p:spPr>
         <p:txBody>
-          <a:bodyPr/>
+          <a:bodyPr>
+            <a:normAutofit/>
+          </a:bodyPr>
           <a:lstStyle>
             <a:lvl1pPr marL="0" indent="0">
               <a:buNone/>
-              <a:defRPr sz="1400"/>
+              <a:defRPr sz="1800"/>
             </a:lvl1pPr>
             <a:lvl2pPr marL="457200" indent="0">
               <a:buNone/>
@@ -2459,7 +2632,7 @@
       </p:sp>
       <p:sp>
         <p:nvSpPr>
-          <p:cNvPr id="5" name="Date Placeholder 4"/>
+          <p:cNvPr id="8" name="Date Placeholder 7"/>
           <p:cNvSpPr>
             <a:spLocks noGrp="1"/>
           </p:cNvSpPr>
@@ -2475,7 +2648,7 @@
             <a:fld id="{1D8BD707-D9CF-40AE-B4C6-C98DA3205C09}" type="datetimeFigureOut">
               <a:rPr lang="en-US" smtClean="0"/>
               <a:pPr/>
-              <a:t>9/18/2006</a:t>
+              <a:t>20/12/2017</a:t>
             </a:fld>
             <a:endParaRPr lang="en-US"/>
           </a:p>
@@ -2483,31 +2656,12 @@
       </p:sp>
       <p:sp>
         <p:nvSpPr>
-          <p:cNvPr id="6" name="Footer Placeholder 5"/>
-          <p:cNvSpPr>
-            <a:spLocks noGrp="1"/>
-          </p:cNvSpPr>
-          <p:nvPr>
-            <p:ph type="ftr" sz="quarter" idx="11"/>
-          </p:nvPr>
-        </p:nvSpPr>
-        <p:spPr/>
-        <p:txBody>
-          <a:bodyPr/>
-          <a:lstStyle/>
-          <a:p>
-            <a:endParaRPr lang="en-US"/>
-          </a:p>
-        </p:txBody>
-      </p:sp>
-      <p:sp>
-        <p:nvSpPr>
-          <p:cNvPr id="7" name="Slide Number Placeholder 6"/>
-          <p:cNvSpPr>
-            <a:spLocks noGrp="1"/>
-          </p:cNvSpPr>
-          <p:nvPr>
-            <p:ph type="sldNum" sz="quarter" idx="12"/>
+          <p:cNvPr id="9" name="Slide Number Placeholder 8"/>
+          <p:cNvSpPr>
+            <a:spLocks noGrp="1"/>
+          </p:cNvSpPr>
+          <p:nvPr>
+            <p:ph type="sldNum" sz="quarter" idx="11"/>
           </p:nvPr>
         </p:nvSpPr>
         <p:spPr/>
@@ -2520,6 +2674,30 @@
               <a:pPr/>
               <a:t>‹#›</a:t>
             </a:fld>
+            <a:endParaRPr lang="en-US"/>
+          </a:p>
+        </p:txBody>
+      </p:sp>
+      <p:sp>
+        <p:nvSpPr>
+          <p:cNvPr id="10" name="Footer Placeholder 9"/>
+          <p:cNvSpPr>
+            <a:spLocks noGrp="1"/>
+          </p:cNvSpPr>
+          <p:nvPr>
+            <p:ph type="ftr" sz="quarter" idx="12"/>
+          </p:nvPr>
+        </p:nvSpPr>
+        <p:spPr>
+          <a:xfrm>
+            <a:off x="493776" y="6356350"/>
+            <a:ext cx="5102352" cy="365125"/>
+          </a:xfrm>
+        </p:spPr>
+        <p:txBody>
+          <a:bodyPr/>
+          <a:lstStyle/>
+          <a:p>
             <a:endParaRPr lang="en-US"/>
           </a:p>
         </p:txBody>
@@ -2529,6 +2707,13 @@
   <p:clrMapOvr>
     <a:masterClrMapping/>
   </p:clrMapOvr>
+  <p:timing>
+    <p:tnLst>
+      <p:par>
+        <p:cTn id="1" dur="indefinite" restart="never" nodeType="tmRoot"/>
+      </p:par>
+    </p:tnLst>
+  </p:timing>
 </p:sldLayout>
 </file>
 
@@ -2536,8 +2721,8 @@
 <p:sldMaster xmlns:a="http://schemas.openxmlformats.org/drawingml/2006/main" xmlns:r="http://schemas.openxmlformats.org/officeDocument/2006/relationships" xmlns:p="http://schemas.openxmlformats.org/presentationml/2006/main">
   <p:cSld>
     <p:bg>
-      <p:bgRef idx="1001">
-        <a:schemeClr val="bg1"/>
+      <p:bgRef idx="1002">
+        <a:schemeClr val="bg2"/>
       </p:bgRef>
     </p:bg>
     <p:spTree>
@@ -2566,15 +2751,15 @@
         </p:nvSpPr>
         <p:spPr>
           <a:xfrm>
-            <a:off x="457200" y="274638"/>
-            <a:ext cx="8229600" cy="1143000"/>
+            <a:off x="1069848" y="1554480"/>
+            <a:ext cx="2073348" cy="1979466"/>
           </a:xfrm>
           <a:prstGeom prst="rect">
             <a:avLst/>
           </a:prstGeom>
         </p:spPr>
         <p:txBody>
-          <a:bodyPr vert="horz" lIns="91440" tIns="45720" rIns="91440" bIns="45720" rtlCol="0" anchor="ctr">
+          <a:bodyPr vert="horz" lIns="91440" tIns="45720" rIns="91440" bIns="45720" rtlCol="0" anchor="t">
             <a:normAutofit/>
           </a:bodyPr>
           <a:lstStyle/>
@@ -2583,7 +2768,7 @@
               <a:rPr lang="en-US" smtClean="0"/>
               <a:t>Click to edit Master title style</a:t>
             </a:r>
-            <a:endParaRPr lang="en-US"/>
+            <a:endParaRPr lang="en-US" dirty="0"/>
           </a:p>
         </p:txBody>
       </p:sp>
@@ -2599,8 +2784,8 @@
         </p:nvSpPr>
         <p:spPr>
           <a:xfrm>
-            <a:off x="457200" y="1600200"/>
-            <a:ext cx="8229600" cy="4525963"/>
+            <a:off x="3454400" y="1547036"/>
+            <a:ext cx="4222308" cy="3886202"/>
           </a:xfrm>
           <a:prstGeom prst="rect">
             <a:avLst/>
@@ -2645,7 +2830,7 @@
               <a:rPr lang="en-US" smtClean="0"/>
               <a:t>Fifth level</a:t>
             </a:r>
-            <a:endParaRPr lang="en-US"/>
+            <a:endParaRPr lang="en-US" dirty="0"/>
           </a:p>
         </p:txBody>
       </p:sp>
@@ -2661,15 +2846,15 @@
         </p:nvSpPr>
         <p:spPr>
           <a:xfrm>
-            <a:off x="457200" y="6356350"/>
-            <a:ext cx="2133600" cy="365125"/>
+            <a:off x="7162800" y="189468"/>
+            <a:ext cx="1828800" cy="365125"/>
           </a:xfrm>
           <a:prstGeom prst="rect">
             <a:avLst/>
           </a:prstGeom>
         </p:spPr>
         <p:txBody>
-          <a:bodyPr vert="horz" lIns="91440" tIns="45720" rIns="91440" bIns="45720" rtlCol="0" anchor="ctr"/>
+          <a:bodyPr vert="horz" lIns="91440" tIns="45720" rIns="91440" bIns="45720" rtlCol="0" anchor="t"/>
           <a:lstStyle>
             <a:lvl1pPr algn="l">
               <a:defRPr sz="1200">
@@ -2685,7 +2870,7 @@
             <a:fld id="{1D8BD707-D9CF-40AE-B4C6-C98DA3205C09}" type="datetimeFigureOut">
               <a:rPr lang="en-US" smtClean="0"/>
               <a:pPr/>
-              <a:t>9/18/2006</a:t>
+              <a:t>20/12/2017</a:t>
             </a:fld>
             <a:endParaRPr lang="en-US"/>
           </a:p>
@@ -2703,22 +2888,20 @@
         </p:nvSpPr>
         <p:spPr>
           <a:xfrm>
-            <a:off x="3124200" y="6356350"/>
-            <a:ext cx="2895600" cy="365125"/>
+            <a:off x="1069848" y="6356350"/>
+            <a:ext cx="5102352" cy="365125"/>
           </a:xfrm>
           <a:prstGeom prst="rect">
             <a:avLst/>
           </a:prstGeom>
         </p:spPr>
         <p:txBody>
-          <a:bodyPr vert="horz" lIns="91440" tIns="45720" rIns="91440" bIns="45720" rtlCol="0" anchor="ctr"/>
+          <a:bodyPr vert="horz" lIns="91440" tIns="45720" rIns="91440" bIns="45720" rtlCol="0" anchor="t"/>
           <a:lstStyle>
-            <a:lvl1pPr algn="ctr">
+            <a:lvl1pPr algn="l">
               <a:defRPr sz="1200">
                 <a:solidFill>
-                  <a:schemeClr val="tx1">
-                    <a:tint val="75000"/>
-                  </a:schemeClr>
+                  <a:schemeClr val="tx1"/>
                 </a:solidFill>
               </a:defRPr>
             </a:lvl1pPr>
@@ -2740,17 +2923,17 @@
         </p:nvSpPr>
         <p:spPr>
           <a:xfrm>
-            <a:off x="6553200" y="6356350"/>
-            <a:ext cx="2133600" cy="365125"/>
+            <a:off x="7159752" y="6356350"/>
+            <a:ext cx="1137684" cy="365125"/>
           </a:xfrm>
           <a:prstGeom prst="rect">
             <a:avLst/>
           </a:prstGeom>
         </p:spPr>
         <p:txBody>
-          <a:bodyPr vert="horz" lIns="91440" tIns="45720" rIns="91440" bIns="45720" rtlCol="0" anchor="ctr"/>
+          <a:bodyPr vert="horz" lIns="91440" tIns="45720" rIns="91440" bIns="45720" rtlCol="0" anchor="t"/>
           <a:lstStyle>
-            <a:lvl1pPr algn="r">
+            <a:lvl1pPr algn="l">
               <a:defRPr sz="1200">
                 <a:solidFill>
                   <a:schemeClr val="tx1">
@@ -2772,28 +2955,35 @@
       </p:sp>
     </p:spTree>
   </p:cSld>
-  <p:clrMap bg1="lt1" tx1="dk1" bg2="lt2" tx2="dk2" accent1="accent1" accent2="accent2" accent3="accent3" accent4="accent4" accent5="accent5" accent6="accent6" hlink="hlink" folHlink="folHlink"/>
+  <p:clrMap bg1="dk1" tx1="lt1" bg2="dk2" tx2="lt2" accent1="accent1" accent2="accent2" accent3="accent3" accent4="accent4" accent5="accent5" accent6="accent6" hlink="hlink" folHlink="folHlink"/>
   <p:sldLayoutIdLst>
-    <p:sldLayoutId id="2147483649" r:id="rId1"/>
-    <p:sldLayoutId id="2147483650" r:id="rId2"/>
-    <p:sldLayoutId id="2147483651" r:id="rId3"/>
-    <p:sldLayoutId id="2147483652" r:id="rId4"/>
-    <p:sldLayoutId id="2147483653" r:id="rId5"/>
-    <p:sldLayoutId id="2147483654" r:id="rId6"/>
-    <p:sldLayoutId id="2147483655" r:id="rId7"/>
-    <p:sldLayoutId id="2147483656" r:id="rId8"/>
-    <p:sldLayoutId id="2147483657" r:id="rId9"/>
-    <p:sldLayoutId id="2147483658" r:id="rId10"/>
-    <p:sldLayoutId id="2147483659" r:id="rId11"/>
+    <p:sldLayoutId id="2147483661" r:id="rId1"/>
+    <p:sldLayoutId id="2147483662" r:id="rId2"/>
+    <p:sldLayoutId id="2147483663" r:id="rId3"/>
+    <p:sldLayoutId id="2147483664" r:id="rId4"/>
+    <p:sldLayoutId id="2147483665" r:id="rId5"/>
+    <p:sldLayoutId id="2147483666" r:id="rId6"/>
+    <p:sldLayoutId id="2147483667" r:id="rId7"/>
+    <p:sldLayoutId id="2147483668" r:id="rId8"/>
+    <p:sldLayoutId id="2147483669" r:id="rId9"/>
+    <p:sldLayoutId id="2147483670" r:id="rId10"/>
+    <p:sldLayoutId id="2147483671" r:id="rId11"/>
   </p:sldLayoutIdLst>
+  <p:timing>
+    <p:tnLst>
+      <p:par>
+        <p:cTn id="1" dur="indefinite" restart="never" nodeType="tmRoot"/>
+      </p:par>
+    </p:tnLst>
+  </p:timing>
   <p:txStyles>
     <p:titleStyle>
-      <a:lvl1pPr algn="ctr" defTabSz="914400" rtl="0" eaLnBrk="1" latinLnBrk="0" hangingPunct="1">
+      <a:lvl1pPr algn="l" defTabSz="914400" rtl="0" eaLnBrk="1" latinLnBrk="0" hangingPunct="1">
         <a:spcBef>
           <a:spcPct val="0"/>
         </a:spcBef>
         <a:buNone/>
-        <a:defRPr sz="4400" kern="1200">
+        <a:defRPr sz="1800" kern="1200" cap="all" baseline="0">
           <a:solidFill>
             <a:schemeClr val="tx1"/>
           </a:solidFill>
@@ -2802,15 +2992,71 @@
           <a:cs typeface="+mj-cs"/>
         </a:defRPr>
       </a:lvl1pPr>
+      <a:lvl2pPr eaLnBrk="1" hangingPunct="1">
+        <a:defRPr>
+          <a:solidFill>
+            <a:schemeClr val="tx2"/>
+          </a:solidFill>
+        </a:defRPr>
+      </a:lvl2pPr>
+      <a:lvl3pPr eaLnBrk="1" hangingPunct="1">
+        <a:defRPr>
+          <a:solidFill>
+            <a:schemeClr val="tx2"/>
+          </a:solidFill>
+        </a:defRPr>
+      </a:lvl3pPr>
+      <a:lvl4pPr eaLnBrk="1" hangingPunct="1">
+        <a:defRPr>
+          <a:solidFill>
+            <a:schemeClr val="tx2"/>
+          </a:solidFill>
+        </a:defRPr>
+      </a:lvl4pPr>
+      <a:lvl5pPr eaLnBrk="1" hangingPunct="1">
+        <a:defRPr>
+          <a:solidFill>
+            <a:schemeClr val="tx2"/>
+          </a:solidFill>
+        </a:defRPr>
+      </a:lvl5pPr>
+      <a:lvl6pPr eaLnBrk="1" hangingPunct="1">
+        <a:defRPr>
+          <a:solidFill>
+            <a:schemeClr val="tx2"/>
+          </a:solidFill>
+        </a:defRPr>
+      </a:lvl6pPr>
+      <a:lvl7pPr eaLnBrk="1" hangingPunct="1">
+        <a:defRPr>
+          <a:solidFill>
+            <a:schemeClr val="tx2"/>
+          </a:solidFill>
+        </a:defRPr>
+      </a:lvl7pPr>
+      <a:lvl8pPr eaLnBrk="1" hangingPunct="1">
+        <a:defRPr>
+          <a:solidFill>
+            <a:schemeClr val="tx2"/>
+          </a:solidFill>
+        </a:defRPr>
+      </a:lvl8pPr>
+      <a:lvl9pPr eaLnBrk="1" hangingPunct="1">
+        <a:defRPr>
+          <a:solidFill>
+            <a:schemeClr val="tx2"/>
+          </a:solidFill>
+        </a:defRPr>
+      </a:lvl9pPr>
     </p:titleStyle>
     <p:bodyStyle>
-      <a:lvl1pPr marL="342900" indent="-342900" algn="l" defTabSz="914400" rtl="0" eaLnBrk="1" latinLnBrk="0" hangingPunct="1">
+      <a:lvl1pPr marL="274320" indent="-274320" algn="l" defTabSz="914400" rtl="0" eaLnBrk="1" latinLnBrk="0" hangingPunct="1">
         <a:spcBef>
           <a:spcPct val="20000"/>
         </a:spcBef>
         <a:buFont typeface="Arial" pitchFamily="34" charset="0"/>
         <a:buChar char="•"/>
-        <a:defRPr sz="3200" kern="1200">
+        <a:defRPr sz="1800" i="1" kern="1200">
           <a:solidFill>
             <a:schemeClr val="tx1"/>
           </a:solidFill>
@@ -2825,7 +3071,7 @@
         </a:spcBef>
         <a:buFont typeface="Arial" pitchFamily="34" charset="0"/>
         <a:buChar char="–"/>
-        <a:defRPr sz="2800" kern="1200">
+        <a:defRPr sz="1800" i="1" kern="1200">
           <a:solidFill>
             <a:schemeClr val="tx1"/>
           </a:solidFill>
@@ -2840,7 +3086,7 @@
         </a:spcBef>
         <a:buFont typeface="Arial" pitchFamily="34" charset="0"/>
         <a:buChar char="•"/>
-        <a:defRPr sz="2400" kern="1200">
+        <a:defRPr sz="1800" i="1" kern="1200">
           <a:solidFill>
             <a:schemeClr val="tx1"/>
           </a:solidFill>
@@ -2855,7 +3101,7 @@
         </a:spcBef>
         <a:buFont typeface="Arial" pitchFamily="34" charset="0"/>
         <a:buChar char="–"/>
-        <a:defRPr sz="2000" kern="1200">
+        <a:defRPr sz="1800" i="1" kern="1200">
           <a:solidFill>
             <a:schemeClr val="tx1"/>
           </a:solidFill>
@@ -2870,7 +3116,7 @@
         </a:spcBef>
         <a:buFont typeface="Arial" pitchFamily="34" charset="0"/>
         <a:buChar char="»"/>
-        <a:defRPr sz="2000" kern="1200">
+        <a:defRPr sz="1800" i="1" kern="1200">
           <a:solidFill>
             <a:schemeClr val="tx1"/>
           </a:solidFill>
@@ -2885,7 +3131,7 @@
         </a:spcBef>
         <a:buFont typeface="Arial" pitchFamily="34" charset="0"/>
         <a:buChar char="•"/>
-        <a:defRPr sz="2000" kern="1200">
+        <a:defRPr sz="1800" i="1" kern="1200">
           <a:solidFill>
             <a:schemeClr val="tx1"/>
           </a:solidFill>
@@ -2900,7 +3146,7 @@
         </a:spcBef>
         <a:buFont typeface="Arial" pitchFamily="34" charset="0"/>
         <a:buChar char="•"/>
-        <a:defRPr sz="2000" kern="1200">
+        <a:defRPr sz="1800" i="1" kern="1200">
           <a:solidFill>
             <a:schemeClr val="tx1"/>
           </a:solidFill>
@@ -2915,7 +3161,7 @@
         </a:spcBef>
         <a:buFont typeface="Arial" pitchFamily="34" charset="0"/>
         <a:buChar char="•"/>
-        <a:defRPr sz="2000" kern="1200">
+        <a:defRPr sz="1800" i="1" kern="1200">
           <a:solidFill>
             <a:schemeClr val="tx1"/>
           </a:solidFill>
@@ -2930,7 +3176,7 @@
         </a:spcBef>
         <a:buFont typeface="Arial" pitchFamily="34" charset="0"/>
         <a:buChar char="•"/>
-        <a:defRPr sz="2000" kern="1200">
+        <a:defRPr sz="1800" kern="1200">
           <a:solidFill>
             <a:schemeClr val="tx1"/>
           </a:solidFill>
@@ -3039,59 +3285,2395 @@
 </p:sldMaster>
 </file>
 
+<file path=ppt/slides/slide1.xml><?xml version="1.0" encoding="utf-8"?>
+<p:sld xmlns:a="http://schemas.openxmlformats.org/drawingml/2006/main" xmlns:r="http://schemas.openxmlformats.org/officeDocument/2006/relationships" xmlns:p="http://schemas.openxmlformats.org/presentationml/2006/main">
+  <p:cSld>
+    <p:spTree>
+      <p:nvGrpSpPr>
+        <p:cNvPr id="1" name=""/>
+        <p:cNvGrpSpPr/>
+        <p:nvPr/>
+      </p:nvGrpSpPr>
+      <p:grpSpPr>
+        <a:xfrm>
+          <a:off x="0" y="0"/>
+          <a:ext cx="0" cy="0"/>
+          <a:chOff x="0" y="0"/>
+          <a:chExt cx="0" cy="0"/>
+        </a:xfrm>
+      </p:grpSpPr>
+      <p:sp>
+        <p:nvSpPr>
+          <p:cNvPr id="4" name="Rectangle 3"/>
+          <p:cNvSpPr/>
+          <p:nvPr/>
+        </p:nvSpPr>
+        <p:spPr>
+          <a:xfrm>
+            <a:off x="2209800" y="381000"/>
+            <a:ext cx="4828566" cy="584775"/>
+          </a:xfrm>
+          <a:prstGeom prst="rect">
+            <a:avLst/>
+          </a:prstGeom>
+        </p:spPr>
+        <p:txBody>
+          <a:bodyPr wrap="none">
+            <a:spAutoFit/>
+          </a:bodyPr>
+          <a:lstStyle/>
+          <a:p>
+            <a:pPr fontAlgn="auto"/>
+            <a:r>
+              <a:rPr lang="en-US" sz="3200" b="1" dirty="0"/>
+              <a:t>Advanced File Permissions</a:t>
+            </a:r>
+            <a:endParaRPr lang="en-US" sz="3200" dirty="0"/>
+          </a:p>
+        </p:txBody>
+      </p:sp>
+      <p:sp>
+        <p:nvSpPr>
+          <p:cNvPr id="5" name="Text Box 1"/>
+          <p:cNvSpPr txBox="1">
+            <a:spLocks noChangeArrowheads="1"/>
+          </p:cNvSpPr>
+          <p:nvPr/>
+        </p:nvSpPr>
+        <p:spPr bwMode="auto">
+          <a:xfrm>
+            <a:off x="457200" y="1245394"/>
+            <a:ext cx="8458200" cy="4367212"/>
+          </a:xfrm>
+          <a:prstGeom prst="rect">
+            <a:avLst/>
+          </a:prstGeom>
+          <a:noFill/>
+          <a:ln>
+            <a:noFill/>
+          </a:ln>
+          <a:extLst>
+            <a:ext uri="{909E8E84-426E-40DD-AFC4-6F175D3DCCD1}">
+              <a14:hiddenFill xmlns:a14="http://schemas.microsoft.com/office/drawing/2010/main">
+                <a:solidFill>
+                  <a:srgbClr val="FFFFFF"/>
+                </a:solidFill>
+              </a14:hiddenFill>
+            </a:ext>
+            <a:ext uri="{91240B29-F687-4F45-9708-019B960494DF}">
+              <a14:hiddenLine xmlns:a14="http://schemas.microsoft.com/office/drawing/2010/main" w="9525">
+                <a:solidFill>
+                  <a:srgbClr val="000000"/>
+                </a:solidFill>
+                <a:round/>
+                <a:headEnd/>
+                <a:tailEnd/>
+              </a14:hiddenLine>
+            </a:ext>
+          </a:extLst>
+        </p:spPr>
+        <p:txBody>
+          <a:bodyPr lIns="0" tIns="62046" rIns="0" bIns="0"/>
+          <a:lstStyle>
+            <a:defPPr>
+              <a:defRPr lang="en-GB"/>
+            </a:defPPr>
+            <a:lvl1pPr algn="l" defTabSz="457200" rtl="0" fontAlgn="base">
+              <a:spcBef>
+                <a:spcPct val="0"/>
+              </a:spcBef>
+              <a:spcAft>
+                <a:spcPct val="0"/>
+              </a:spcAft>
+              <a:buClr>
+                <a:srgbClr val="000000"/>
+              </a:buClr>
+              <a:buSzPct val="100000"/>
+              <a:buFont typeface="Times New Roman" pitchFamily="-1" charset="0"/>
+              <a:defRPr sz="2400" kern="1200">
+                <a:solidFill>
+                  <a:schemeClr val="bg1"/>
+                </a:solidFill>
+                <a:latin typeface="Arial" charset="0"/>
+                <a:ea typeface="ＭＳ Ｐゴシック" charset="-128"/>
+                <a:cs typeface="+mn-cs"/>
+              </a:defRPr>
+            </a:lvl1pPr>
+            <a:lvl2pPr marL="742950" indent="-285750" algn="l" defTabSz="457200" rtl="0" fontAlgn="base">
+              <a:spcBef>
+                <a:spcPct val="0"/>
+              </a:spcBef>
+              <a:spcAft>
+                <a:spcPct val="0"/>
+              </a:spcAft>
+              <a:buClr>
+                <a:srgbClr val="000000"/>
+              </a:buClr>
+              <a:buSzPct val="100000"/>
+              <a:buFont typeface="Times New Roman" pitchFamily="-1" charset="0"/>
+              <a:defRPr sz="2400" kern="1200">
+                <a:solidFill>
+                  <a:schemeClr val="bg1"/>
+                </a:solidFill>
+                <a:latin typeface="Arial" charset="0"/>
+                <a:ea typeface="ＭＳ Ｐゴシック" charset="-128"/>
+                <a:cs typeface="+mn-cs"/>
+              </a:defRPr>
+            </a:lvl2pPr>
+            <a:lvl3pPr marL="1143000" indent="-228600" algn="l" defTabSz="457200" rtl="0" fontAlgn="base">
+              <a:spcBef>
+                <a:spcPct val="0"/>
+              </a:spcBef>
+              <a:spcAft>
+                <a:spcPct val="0"/>
+              </a:spcAft>
+              <a:buClr>
+                <a:srgbClr val="000000"/>
+              </a:buClr>
+              <a:buSzPct val="100000"/>
+              <a:buFont typeface="Times New Roman" pitchFamily="-1" charset="0"/>
+              <a:defRPr sz="2400" kern="1200">
+                <a:solidFill>
+                  <a:schemeClr val="bg1"/>
+                </a:solidFill>
+                <a:latin typeface="Arial" charset="0"/>
+                <a:ea typeface="ＭＳ Ｐゴシック" charset="-128"/>
+                <a:cs typeface="+mn-cs"/>
+              </a:defRPr>
+            </a:lvl3pPr>
+            <a:lvl4pPr marL="1600200" indent="-228600" algn="l" defTabSz="457200" rtl="0" fontAlgn="base">
+              <a:spcBef>
+                <a:spcPct val="0"/>
+              </a:spcBef>
+              <a:spcAft>
+                <a:spcPct val="0"/>
+              </a:spcAft>
+              <a:buClr>
+                <a:srgbClr val="000000"/>
+              </a:buClr>
+              <a:buSzPct val="100000"/>
+              <a:buFont typeface="Times New Roman" pitchFamily="-1" charset="0"/>
+              <a:defRPr sz="2400" kern="1200">
+                <a:solidFill>
+                  <a:schemeClr val="bg1"/>
+                </a:solidFill>
+                <a:latin typeface="Arial" charset="0"/>
+                <a:ea typeface="ＭＳ Ｐゴシック" charset="-128"/>
+                <a:cs typeface="+mn-cs"/>
+              </a:defRPr>
+            </a:lvl4pPr>
+            <a:lvl5pPr marL="2057400" indent="-228600" algn="l" defTabSz="457200" rtl="0" fontAlgn="base">
+              <a:spcBef>
+                <a:spcPct val="0"/>
+              </a:spcBef>
+              <a:spcAft>
+                <a:spcPct val="0"/>
+              </a:spcAft>
+              <a:buClr>
+                <a:srgbClr val="000000"/>
+              </a:buClr>
+              <a:buSzPct val="100000"/>
+              <a:buFont typeface="Times New Roman" pitchFamily="-1" charset="0"/>
+              <a:defRPr sz="2400" kern="1200">
+                <a:solidFill>
+                  <a:schemeClr val="bg1"/>
+                </a:solidFill>
+                <a:latin typeface="Arial" charset="0"/>
+                <a:ea typeface="ＭＳ Ｐゴシック" charset="-128"/>
+                <a:cs typeface="+mn-cs"/>
+              </a:defRPr>
+            </a:lvl5pPr>
+            <a:lvl6pPr marL="2286000" algn="l" defTabSz="914400" rtl="0" eaLnBrk="1" latinLnBrk="0" hangingPunct="1">
+              <a:defRPr sz="2400" kern="1200">
+                <a:solidFill>
+                  <a:schemeClr val="bg1"/>
+                </a:solidFill>
+                <a:latin typeface="Arial" charset="0"/>
+                <a:ea typeface="ＭＳ Ｐゴシック" charset="-128"/>
+                <a:cs typeface="+mn-cs"/>
+              </a:defRPr>
+            </a:lvl6pPr>
+            <a:lvl7pPr marL="2743200" algn="l" defTabSz="914400" rtl="0" eaLnBrk="1" latinLnBrk="0" hangingPunct="1">
+              <a:defRPr sz="2400" kern="1200">
+                <a:solidFill>
+                  <a:schemeClr val="bg1"/>
+                </a:solidFill>
+                <a:latin typeface="Arial" charset="0"/>
+                <a:ea typeface="ＭＳ Ｐゴシック" charset="-128"/>
+                <a:cs typeface="+mn-cs"/>
+              </a:defRPr>
+            </a:lvl7pPr>
+            <a:lvl8pPr marL="3200400" algn="l" defTabSz="914400" rtl="0" eaLnBrk="1" latinLnBrk="0" hangingPunct="1">
+              <a:defRPr sz="2400" kern="1200">
+                <a:solidFill>
+                  <a:schemeClr val="bg1"/>
+                </a:solidFill>
+                <a:latin typeface="Arial" charset="0"/>
+                <a:ea typeface="ＭＳ Ｐゴシック" charset="-128"/>
+                <a:cs typeface="+mn-cs"/>
+              </a:defRPr>
+            </a:lvl8pPr>
+            <a:lvl9pPr marL="3657600" algn="l" defTabSz="914400" rtl="0" eaLnBrk="1" latinLnBrk="0" hangingPunct="1">
+              <a:defRPr sz="2400" kern="1200">
+                <a:solidFill>
+                  <a:schemeClr val="bg1"/>
+                </a:solidFill>
+                <a:latin typeface="Arial" charset="0"/>
+                <a:ea typeface="ＭＳ Ｐゴシック" charset="-128"/>
+                <a:cs typeface="+mn-cs"/>
+              </a:defRPr>
+            </a:lvl9pPr>
+          </a:lstStyle>
+          <a:p>
+            <a:pPr>
+              <a:lnSpc>
+                <a:spcPct val="83000"/>
+              </a:lnSpc>
+              <a:spcAft>
+                <a:spcPts val="1288"/>
+              </a:spcAft>
+              <a:buClrTx/>
+            </a:pPr>
+            <a:r>
+              <a:rPr lang="en-US" sz="2000" dirty="0" smtClean="0">
+                <a:solidFill>
+                  <a:schemeClr val="tx1"/>
+                </a:solidFill>
+                <a:latin typeface="+mn-lt"/>
+              </a:rPr>
+              <a:t>Every </a:t>
+            </a:r>
+            <a:r>
+              <a:rPr lang="en-US" sz="2000" dirty="0">
+                <a:solidFill>
+                  <a:schemeClr val="tx1"/>
+                </a:solidFill>
+                <a:latin typeface="+mn-lt"/>
+              </a:rPr>
+              <a:t>file and directory in your UNIX/Linux system has following 3 permissions defined for all the 3 owners discussed above.</a:t>
+            </a:r>
+          </a:p>
+          <a:p>
+            <a:pPr>
+              <a:lnSpc>
+                <a:spcPct val="83000"/>
+              </a:lnSpc>
+              <a:spcAft>
+                <a:spcPts val="1288"/>
+              </a:spcAft>
+              <a:buClrTx/>
+            </a:pPr>
+            <a:endParaRPr lang="en-US" sz="2000" dirty="0">
+              <a:solidFill>
+                <a:schemeClr val="tx1"/>
+              </a:solidFill>
+              <a:latin typeface="+mn-lt"/>
+            </a:endParaRPr>
+          </a:p>
+          <a:p>
+            <a:pPr>
+              <a:lnSpc>
+                <a:spcPct val="83000"/>
+              </a:lnSpc>
+              <a:spcAft>
+                <a:spcPts val="1288"/>
+              </a:spcAft>
+              <a:buClrTx/>
+            </a:pPr>
+            <a:r>
+              <a:rPr lang="en-US" sz="2000" b="1" dirty="0" smtClean="0">
+                <a:solidFill>
+                  <a:schemeClr val="tx1"/>
+                </a:solidFill>
+                <a:latin typeface="+mn-lt"/>
+              </a:rPr>
+              <a:t>Read :- </a:t>
+            </a:r>
+            <a:r>
+              <a:rPr lang="en-US" sz="2000" dirty="0">
+                <a:solidFill>
+                  <a:schemeClr val="tx1"/>
+                </a:solidFill>
+                <a:latin typeface="+mn-lt"/>
+              </a:rPr>
+              <a:t>This permission give you the authority to open and read a file. Read permission on a directory gives you the ability to lists its content.</a:t>
+            </a:r>
+          </a:p>
+          <a:p>
+            <a:pPr>
+              <a:lnSpc>
+                <a:spcPct val="83000"/>
+              </a:lnSpc>
+              <a:spcAft>
+                <a:spcPts val="1288"/>
+              </a:spcAft>
+              <a:buClrTx/>
+            </a:pPr>
+            <a:r>
+              <a:rPr lang="en-US" sz="2000" b="1" dirty="0" smtClean="0">
+                <a:solidFill>
+                  <a:schemeClr val="tx1"/>
+                </a:solidFill>
+                <a:latin typeface="+mn-lt"/>
+              </a:rPr>
+              <a:t>Write :- </a:t>
+            </a:r>
+            <a:r>
+              <a:rPr lang="en-US" sz="2000" dirty="0">
+                <a:solidFill>
+                  <a:schemeClr val="tx1"/>
+                </a:solidFill>
+                <a:latin typeface="+mn-lt"/>
+              </a:rPr>
+              <a:t>The right permission gives you the authority to modify the contents of a file. The write permission on a directory gives you the authority to add, remove and rename files stored in the directory. Consider a scenario where you have to write permission on file but do not have write permission on the directory where the file is stored. You will be able to modify the file contents. But you will not be able to rename, move or remove the file from the directory.</a:t>
+            </a:r>
+          </a:p>
+          <a:p>
+            <a:pPr>
+              <a:lnSpc>
+                <a:spcPct val="83000"/>
+              </a:lnSpc>
+              <a:spcAft>
+                <a:spcPts val="1288"/>
+              </a:spcAft>
+              <a:buClrTx/>
+            </a:pPr>
+            <a:r>
+              <a:rPr lang="en-US" sz="2000" b="1" dirty="0" smtClean="0">
+                <a:solidFill>
+                  <a:schemeClr val="tx1"/>
+                </a:solidFill>
+                <a:latin typeface="+mn-lt"/>
+              </a:rPr>
+              <a:t>Execute :-  </a:t>
+            </a:r>
+            <a:r>
+              <a:rPr lang="en-US" sz="2000" dirty="0">
+                <a:solidFill>
+                  <a:schemeClr val="tx1"/>
+                </a:solidFill>
+                <a:latin typeface="+mn-lt"/>
+              </a:rPr>
+              <a:t>In Windows, an executable program usually has an extension ".exe" and which you can easily run. In Unix/Linux, you cannot run a program unless the execute permission is set. If the execute permission is not set, you might still be able to see/modify the program code(provided read &amp; write permissions are set), but not run it.</a:t>
+            </a:r>
+          </a:p>
+          <a:p>
+            <a:pPr eaLnBrk="1" hangingPunct="1">
+              <a:lnSpc>
+                <a:spcPct val="83000"/>
+              </a:lnSpc>
+              <a:spcAft>
+                <a:spcPts val="1288"/>
+              </a:spcAft>
+              <a:buClrTx/>
+            </a:pPr>
+            <a:endParaRPr lang="en-GB" b="1" dirty="0">
+              <a:solidFill>
+                <a:schemeClr val="tx1"/>
+              </a:solidFill>
+              <a:latin typeface="+mn-lt"/>
+            </a:endParaRPr>
+          </a:p>
+        </p:txBody>
+      </p:sp>
+    </p:spTree>
+    <p:extLst>
+      <p:ext uri="{BB962C8B-B14F-4D97-AF65-F5344CB8AC3E}">
+        <p14:creationId xmlns:p14="http://schemas.microsoft.com/office/powerpoint/2010/main" val="2290382298"/>
+      </p:ext>
+    </p:extLst>
+  </p:cSld>
+  <p:clrMapOvr>
+    <a:masterClrMapping/>
+  </p:clrMapOvr>
+</p:sld>
+</file>
+
+<file path=ppt/slides/slide2.xml><?xml version="1.0" encoding="utf-8"?>
+<p:sld xmlns:a="http://schemas.openxmlformats.org/drawingml/2006/main" xmlns:r="http://schemas.openxmlformats.org/officeDocument/2006/relationships" xmlns:p="http://schemas.openxmlformats.org/presentationml/2006/main">
+  <p:cSld>
+    <p:spTree>
+      <p:nvGrpSpPr>
+        <p:cNvPr id="1" name=""/>
+        <p:cNvGrpSpPr/>
+        <p:nvPr/>
+      </p:nvGrpSpPr>
+      <p:grpSpPr>
+        <a:xfrm>
+          <a:off x="0" y="0"/>
+          <a:ext cx="0" cy="0"/>
+          <a:chOff x="0" y="0"/>
+          <a:chExt cx="0" cy="0"/>
+        </a:xfrm>
+      </p:grpSpPr>
+      <p:sp>
+        <p:nvSpPr>
+          <p:cNvPr id="4" name="Rectangle 3"/>
+          <p:cNvSpPr/>
+          <p:nvPr/>
+        </p:nvSpPr>
+        <p:spPr>
+          <a:xfrm>
+            <a:off x="2209800" y="381000"/>
+            <a:ext cx="4828566" cy="584775"/>
+          </a:xfrm>
+          <a:prstGeom prst="rect">
+            <a:avLst/>
+          </a:prstGeom>
+        </p:spPr>
+        <p:txBody>
+          <a:bodyPr wrap="none">
+            <a:spAutoFit/>
+          </a:bodyPr>
+          <a:lstStyle/>
+          <a:p>
+            <a:pPr fontAlgn="auto"/>
+            <a:r>
+              <a:rPr lang="en-US" sz="3200" b="1" dirty="0"/>
+              <a:t>Advanced File Permissions</a:t>
+            </a:r>
+            <a:endParaRPr lang="en-US" sz="3200" dirty="0"/>
+          </a:p>
+        </p:txBody>
+      </p:sp>
+      <p:sp>
+        <p:nvSpPr>
+          <p:cNvPr id="5" name="Text Box 1"/>
+          <p:cNvSpPr txBox="1">
+            <a:spLocks noChangeArrowheads="1"/>
+          </p:cNvSpPr>
+          <p:nvPr/>
+        </p:nvSpPr>
+        <p:spPr bwMode="auto">
+          <a:xfrm>
+            <a:off x="668338" y="1245394"/>
+            <a:ext cx="7807325" cy="4367212"/>
+          </a:xfrm>
+          <a:prstGeom prst="rect">
+            <a:avLst/>
+          </a:prstGeom>
+          <a:noFill/>
+          <a:ln>
+            <a:noFill/>
+          </a:ln>
+          <a:extLst>
+            <a:ext uri="{909E8E84-426E-40DD-AFC4-6F175D3DCCD1}">
+              <a14:hiddenFill xmlns:a14="http://schemas.microsoft.com/office/drawing/2010/main">
+                <a:solidFill>
+                  <a:srgbClr val="FFFFFF"/>
+                </a:solidFill>
+              </a14:hiddenFill>
+            </a:ext>
+            <a:ext uri="{91240B29-F687-4F45-9708-019B960494DF}">
+              <a14:hiddenLine xmlns:a14="http://schemas.microsoft.com/office/drawing/2010/main" w="9525">
+                <a:solidFill>
+                  <a:srgbClr val="000000"/>
+                </a:solidFill>
+                <a:round/>
+                <a:headEnd/>
+                <a:tailEnd/>
+              </a14:hiddenLine>
+            </a:ext>
+          </a:extLst>
+        </p:spPr>
+        <p:txBody>
+          <a:bodyPr lIns="0" tIns="62046" rIns="0" bIns="0"/>
+          <a:lstStyle>
+            <a:defPPr>
+              <a:defRPr lang="en-GB"/>
+            </a:defPPr>
+            <a:lvl1pPr algn="l" defTabSz="457200" rtl="0" fontAlgn="base">
+              <a:spcBef>
+                <a:spcPct val="0"/>
+              </a:spcBef>
+              <a:spcAft>
+                <a:spcPct val="0"/>
+              </a:spcAft>
+              <a:buClr>
+                <a:srgbClr val="000000"/>
+              </a:buClr>
+              <a:buSzPct val="100000"/>
+              <a:buFont typeface="Times New Roman" pitchFamily="-1" charset="0"/>
+              <a:defRPr sz="2400" kern="1200">
+                <a:solidFill>
+                  <a:schemeClr val="bg1"/>
+                </a:solidFill>
+                <a:latin typeface="Arial" charset="0"/>
+                <a:ea typeface="ＭＳ Ｐゴシック" charset="-128"/>
+                <a:cs typeface="+mn-cs"/>
+              </a:defRPr>
+            </a:lvl1pPr>
+            <a:lvl2pPr marL="742950" indent="-285750" algn="l" defTabSz="457200" rtl="0" fontAlgn="base">
+              <a:spcBef>
+                <a:spcPct val="0"/>
+              </a:spcBef>
+              <a:spcAft>
+                <a:spcPct val="0"/>
+              </a:spcAft>
+              <a:buClr>
+                <a:srgbClr val="000000"/>
+              </a:buClr>
+              <a:buSzPct val="100000"/>
+              <a:buFont typeface="Times New Roman" pitchFamily="-1" charset="0"/>
+              <a:defRPr sz="2400" kern="1200">
+                <a:solidFill>
+                  <a:schemeClr val="bg1"/>
+                </a:solidFill>
+                <a:latin typeface="Arial" charset="0"/>
+                <a:ea typeface="ＭＳ Ｐゴシック" charset="-128"/>
+                <a:cs typeface="+mn-cs"/>
+              </a:defRPr>
+            </a:lvl2pPr>
+            <a:lvl3pPr marL="1143000" indent="-228600" algn="l" defTabSz="457200" rtl="0" fontAlgn="base">
+              <a:spcBef>
+                <a:spcPct val="0"/>
+              </a:spcBef>
+              <a:spcAft>
+                <a:spcPct val="0"/>
+              </a:spcAft>
+              <a:buClr>
+                <a:srgbClr val="000000"/>
+              </a:buClr>
+              <a:buSzPct val="100000"/>
+              <a:buFont typeface="Times New Roman" pitchFamily="-1" charset="0"/>
+              <a:defRPr sz="2400" kern="1200">
+                <a:solidFill>
+                  <a:schemeClr val="bg1"/>
+                </a:solidFill>
+                <a:latin typeface="Arial" charset="0"/>
+                <a:ea typeface="ＭＳ Ｐゴシック" charset="-128"/>
+                <a:cs typeface="+mn-cs"/>
+              </a:defRPr>
+            </a:lvl3pPr>
+            <a:lvl4pPr marL="1600200" indent="-228600" algn="l" defTabSz="457200" rtl="0" fontAlgn="base">
+              <a:spcBef>
+                <a:spcPct val="0"/>
+              </a:spcBef>
+              <a:spcAft>
+                <a:spcPct val="0"/>
+              </a:spcAft>
+              <a:buClr>
+                <a:srgbClr val="000000"/>
+              </a:buClr>
+              <a:buSzPct val="100000"/>
+              <a:buFont typeface="Times New Roman" pitchFamily="-1" charset="0"/>
+              <a:defRPr sz="2400" kern="1200">
+                <a:solidFill>
+                  <a:schemeClr val="bg1"/>
+                </a:solidFill>
+                <a:latin typeface="Arial" charset="0"/>
+                <a:ea typeface="ＭＳ Ｐゴシック" charset="-128"/>
+                <a:cs typeface="+mn-cs"/>
+              </a:defRPr>
+            </a:lvl4pPr>
+            <a:lvl5pPr marL="2057400" indent="-228600" algn="l" defTabSz="457200" rtl="0" fontAlgn="base">
+              <a:spcBef>
+                <a:spcPct val="0"/>
+              </a:spcBef>
+              <a:spcAft>
+                <a:spcPct val="0"/>
+              </a:spcAft>
+              <a:buClr>
+                <a:srgbClr val="000000"/>
+              </a:buClr>
+              <a:buSzPct val="100000"/>
+              <a:buFont typeface="Times New Roman" pitchFamily="-1" charset="0"/>
+              <a:defRPr sz="2400" kern="1200">
+                <a:solidFill>
+                  <a:schemeClr val="bg1"/>
+                </a:solidFill>
+                <a:latin typeface="Arial" charset="0"/>
+                <a:ea typeface="ＭＳ Ｐゴシック" charset="-128"/>
+                <a:cs typeface="+mn-cs"/>
+              </a:defRPr>
+            </a:lvl5pPr>
+            <a:lvl6pPr marL="2286000" algn="l" defTabSz="914400" rtl="0" eaLnBrk="1" latinLnBrk="0" hangingPunct="1">
+              <a:defRPr sz="2400" kern="1200">
+                <a:solidFill>
+                  <a:schemeClr val="bg1"/>
+                </a:solidFill>
+                <a:latin typeface="Arial" charset="0"/>
+                <a:ea typeface="ＭＳ Ｐゴシック" charset="-128"/>
+                <a:cs typeface="+mn-cs"/>
+              </a:defRPr>
+            </a:lvl6pPr>
+            <a:lvl7pPr marL="2743200" algn="l" defTabSz="914400" rtl="0" eaLnBrk="1" latinLnBrk="0" hangingPunct="1">
+              <a:defRPr sz="2400" kern="1200">
+                <a:solidFill>
+                  <a:schemeClr val="bg1"/>
+                </a:solidFill>
+                <a:latin typeface="Arial" charset="0"/>
+                <a:ea typeface="ＭＳ Ｐゴシック" charset="-128"/>
+                <a:cs typeface="+mn-cs"/>
+              </a:defRPr>
+            </a:lvl7pPr>
+            <a:lvl8pPr marL="3200400" algn="l" defTabSz="914400" rtl="0" eaLnBrk="1" latinLnBrk="0" hangingPunct="1">
+              <a:defRPr sz="2400" kern="1200">
+                <a:solidFill>
+                  <a:schemeClr val="bg1"/>
+                </a:solidFill>
+                <a:latin typeface="Arial" charset="0"/>
+                <a:ea typeface="ＭＳ Ｐゴシック" charset="-128"/>
+                <a:cs typeface="+mn-cs"/>
+              </a:defRPr>
+            </a:lvl8pPr>
+            <a:lvl9pPr marL="3657600" algn="l" defTabSz="914400" rtl="0" eaLnBrk="1" latinLnBrk="0" hangingPunct="1">
+              <a:defRPr sz="2400" kern="1200">
+                <a:solidFill>
+                  <a:schemeClr val="bg1"/>
+                </a:solidFill>
+                <a:latin typeface="Arial" charset="0"/>
+                <a:ea typeface="ＭＳ Ｐゴシック" charset="-128"/>
+                <a:cs typeface="+mn-cs"/>
+              </a:defRPr>
+            </a:lvl9pPr>
+          </a:lstStyle>
+          <a:p>
+            <a:pPr eaLnBrk="1" hangingPunct="1">
+              <a:lnSpc>
+                <a:spcPct val="83000"/>
+              </a:lnSpc>
+              <a:spcAft>
+                <a:spcPts val="1288"/>
+              </a:spcAft>
+              <a:buClrTx/>
+            </a:pPr>
+            <a:r>
+              <a:rPr lang="en-GB" sz="2900" dirty="0">
+                <a:solidFill>
+                  <a:schemeClr val="tx1"/>
+                </a:solidFill>
+                <a:latin typeface="+mn-lt"/>
+              </a:rPr>
+              <a:t>Absolute mode:</a:t>
+            </a:r>
+          </a:p>
+          <a:p>
+            <a:pPr eaLnBrk="1" hangingPunct="1">
+              <a:spcAft>
+                <a:spcPts val="1038"/>
+              </a:spcAft>
+              <a:buClrTx/>
+            </a:pPr>
+            <a:r>
+              <a:rPr lang="en-GB" dirty="0">
+                <a:solidFill>
+                  <a:schemeClr val="tx1"/>
+                </a:solidFill>
+                <a:latin typeface="+mn-lt"/>
+              </a:rPr>
+              <a:t>We use octal (base eight) values represented like this:</a:t>
+            </a:r>
+          </a:p>
+          <a:p>
+            <a:pPr eaLnBrk="1" hangingPunct="1">
+              <a:lnSpc>
+                <a:spcPct val="94000"/>
+              </a:lnSpc>
+              <a:spcAft>
+                <a:spcPts val="525"/>
+              </a:spcAft>
+              <a:buClrTx/>
+            </a:pPr>
+            <a:r>
+              <a:rPr lang="en-GB" sz="1600" u="sng" dirty="0">
+                <a:solidFill>
+                  <a:schemeClr val="tx1"/>
+                </a:solidFill>
+                <a:latin typeface="+mn-lt"/>
+              </a:rPr>
+              <a:t>Letter</a:t>
+            </a:r>
+            <a:r>
+              <a:rPr lang="en-GB" sz="1600" dirty="0">
+                <a:solidFill>
+                  <a:schemeClr val="tx1"/>
+                </a:solidFill>
+                <a:latin typeface="+mn-lt"/>
+              </a:rPr>
+              <a:t>  </a:t>
+            </a:r>
+            <a:r>
+              <a:rPr lang="en-GB" sz="1600" u="sng" dirty="0">
+                <a:solidFill>
+                  <a:schemeClr val="tx1"/>
+                </a:solidFill>
+                <a:latin typeface="+mn-lt"/>
+              </a:rPr>
+              <a:t>Permission</a:t>
+            </a:r>
+            <a:r>
+              <a:rPr lang="en-GB" sz="1600" dirty="0">
+                <a:solidFill>
+                  <a:schemeClr val="tx1"/>
+                </a:solidFill>
+                <a:latin typeface="+mn-lt"/>
+              </a:rPr>
+              <a:t>   </a:t>
+            </a:r>
+            <a:r>
+              <a:rPr lang="en-GB" sz="1600" u="sng" dirty="0">
+                <a:solidFill>
+                  <a:schemeClr val="tx1"/>
+                </a:solidFill>
+                <a:latin typeface="+mn-lt"/>
+              </a:rPr>
+              <a:t>Value</a:t>
+            </a:r>
+          </a:p>
+          <a:p>
+            <a:pPr eaLnBrk="1" hangingPunct="1">
+              <a:lnSpc>
+                <a:spcPct val="94000"/>
+              </a:lnSpc>
+              <a:spcAft>
+                <a:spcPts val="525"/>
+              </a:spcAft>
+              <a:buClrTx/>
+            </a:pPr>
+            <a:r>
+              <a:rPr lang="en-GB" sz="1600" dirty="0">
+                <a:solidFill>
+                  <a:schemeClr val="tx1"/>
+                </a:solidFill>
+                <a:latin typeface="+mn-lt"/>
+              </a:rPr>
+              <a:t>R       </a:t>
+            </a:r>
+            <a:r>
+              <a:rPr lang="en-GB" sz="1600" dirty="0" smtClean="0">
+                <a:solidFill>
+                  <a:schemeClr val="tx1"/>
+                </a:solidFill>
+                <a:latin typeface="+mn-lt"/>
+              </a:rPr>
+              <a:t>		read      	 </a:t>
+            </a:r>
+            <a:r>
+              <a:rPr lang="en-GB" sz="1600" dirty="0">
+                <a:solidFill>
+                  <a:schemeClr val="tx1"/>
+                </a:solidFill>
+                <a:latin typeface="+mn-lt"/>
+              </a:rPr>
+              <a:t>4</a:t>
+            </a:r>
+          </a:p>
+          <a:p>
+            <a:pPr eaLnBrk="1" hangingPunct="1">
+              <a:lnSpc>
+                <a:spcPct val="94000"/>
+              </a:lnSpc>
+              <a:spcAft>
+                <a:spcPts val="525"/>
+              </a:spcAft>
+              <a:buClrTx/>
+            </a:pPr>
+            <a:r>
+              <a:rPr lang="en-GB" sz="1600" dirty="0">
+                <a:solidFill>
+                  <a:schemeClr val="tx1"/>
+                </a:solidFill>
+                <a:latin typeface="+mn-lt"/>
+              </a:rPr>
+              <a:t>W    </a:t>
+            </a:r>
+            <a:r>
+              <a:rPr lang="en-GB" sz="1600" dirty="0" smtClean="0">
+                <a:solidFill>
+                  <a:schemeClr val="tx1"/>
+                </a:solidFill>
+                <a:latin typeface="+mn-lt"/>
+              </a:rPr>
+              <a:t>		write          	  </a:t>
+            </a:r>
+            <a:r>
+              <a:rPr lang="en-GB" sz="1600" dirty="0">
+                <a:solidFill>
+                  <a:schemeClr val="tx1"/>
+                </a:solidFill>
+                <a:latin typeface="+mn-lt"/>
+              </a:rPr>
+              <a:t>2</a:t>
+            </a:r>
+          </a:p>
+          <a:p>
+            <a:pPr eaLnBrk="1" hangingPunct="1">
+              <a:lnSpc>
+                <a:spcPct val="94000"/>
+              </a:lnSpc>
+              <a:spcAft>
+                <a:spcPts val="525"/>
+              </a:spcAft>
+              <a:buClrTx/>
+            </a:pPr>
+            <a:r>
+              <a:rPr lang="en-GB" sz="1600" dirty="0">
+                <a:solidFill>
+                  <a:schemeClr val="tx1"/>
+                </a:solidFill>
+                <a:latin typeface="+mn-lt"/>
+              </a:rPr>
+              <a:t>X      </a:t>
+            </a:r>
+            <a:r>
+              <a:rPr lang="en-GB" sz="1600" dirty="0" smtClean="0">
+                <a:solidFill>
+                  <a:schemeClr val="tx1"/>
+                </a:solidFill>
+                <a:latin typeface="+mn-lt"/>
+              </a:rPr>
+              <a:t> 		execute 	  </a:t>
+            </a:r>
+            <a:r>
+              <a:rPr lang="en-GB" sz="1600" dirty="0">
+                <a:solidFill>
+                  <a:schemeClr val="tx1"/>
+                </a:solidFill>
+                <a:latin typeface="+mn-lt"/>
+              </a:rPr>
+              <a:t>1</a:t>
+            </a:r>
+          </a:p>
+          <a:p>
+            <a:pPr eaLnBrk="1" hangingPunct="1">
+              <a:lnSpc>
+                <a:spcPct val="94000"/>
+              </a:lnSpc>
+              <a:spcAft>
+                <a:spcPts val="525"/>
+              </a:spcAft>
+              <a:buClrTx/>
+            </a:pPr>
+            <a:r>
+              <a:rPr lang="en-GB" sz="1600" dirty="0">
+                <a:solidFill>
+                  <a:schemeClr val="tx1"/>
+                </a:solidFill>
+                <a:latin typeface="+mn-lt"/>
+              </a:rPr>
+              <a:t>-       </a:t>
+            </a:r>
+            <a:r>
+              <a:rPr lang="en-GB" sz="1600" dirty="0" smtClean="0">
+                <a:solidFill>
+                  <a:schemeClr val="tx1"/>
+                </a:solidFill>
+                <a:latin typeface="+mn-lt"/>
+              </a:rPr>
+              <a:t> 		 none      	  </a:t>
+            </a:r>
+            <a:r>
+              <a:rPr lang="en-GB" sz="1600" dirty="0">
+                <a:solidFill>
+                  <a:schemeClr val="tx1"/>
+                </a:solidFill>
+                <a:latin typeface="+mn-lt"/>
+              </a:rPr>
+              <a:t>0</a:t>
+            </a:r>
+          </a:p>
+          <a:p>
+            <a:pPr eaLnBrk="1" hangingPunct="1">
+              <a:spcAft>
+                <a:spcPts val="1288"/>
+              </a:spcAft>
+              <a:buClrTx/>
+            </a:pPr>
+            <a:r>
+              <a:rPr lang="en-GB" dirty="0">
+                <a:solidFill>
+                  <a:schemeClr val="tx1"/>
+                </a:solidFill>
+                <a:latin typeface="+mn-lt"/>
+              </a:rPr>
+              <a:t>For each column, User, Group or Other you can set values from 0 to 7. Here is what each means:</a:t>
+            </a:r>
+          </a:p>
+          <a:p>
+            <a:pPr eaLnBrk="1" hangingPunct="1">
+              <a:spcAft>
+                <a:spcPts val="1288"/>
+              </a:spcAft>
+              <a:buClrTx/>
+            </a:pPr>
+            <a:r>
+              <a:rPr lang="en-GB" dirty="0">
+                <a:solidFill>
+                  <a:schemeClr val="tx1"/>
+                </a:solidFill>
+                <a:latin typeface="+mn-lt"/>
+              </a:rPr>
+              <a:t>0= </a:t>
+            </a:r>
+            <a:r>
+              <a:rPr lang="en-GB" b="1" dirty="0">
+                <a:solidFill>
+                  <a:schemeClr val="tx1"/>
+                </a:solidFill>
+                <a:latin typeface="+mn-lt"/>
+              </a:rPr>
+              <a:t>---</a:t>
+            </a:r>
+            <a:r>
+              <a:rPr lang="en-GB" dirty="0">
+                <a:solidFill>
+                  <a:schemeClr val="tx1"/>
+                </a:solidFill>
+                <a:latin typeface="+mn-lt"/>
+              </a:rPr>
+              <a:t>				1= </a:t>
+            </a:r>
+            <a:r>
+              <a:rPr lang="en-GB" b="1" dirty="0">
+                <a:solidFill>
+                  <a:schemeClr val="tx1"/>
+                </a:solidFill>
+                <a:latin typeface="+mn-lt"/>
+              </a:rPr>
+              <a:t>--x</a:t>
+            </a:r>
+            <a:r>
+              <a:rPr lang="en-GB" dirty="0">
+                <a:solidFill>
+                  <a:schemeClr val="tx1"/>
+                </a:solidFill>
+                <a:latin typeface="+mn-lt"/>
+              </a:rPr>
+              <a:t>			2= </a:t>
+            </a:r>
+            <a:r>
+              <a:rPr lang="en-GB" b="1" dirty="0">
+                <a:solidFill>
+                  <a:schemeClr val="tx1"/>
+                </a:solidFill>
+                <a:latin typeface="+mn-lt"/>
+              </a:rPr>
+              <a:t>-w-</a:t>
+            </a:r>
+            <a:r>
+              <a:rPr lang="en-GB" dirty="0">
+                <a:solidFill>
+                  <a:schemeClr val="tx1"/>
+                </a:solidFill>
+                <a:latin typeface="+mn-lt"/>
+              </a:rPr>
+              <a:t>			3= </a:t>
+            </a:r>
+            <a:r>
+              <a:rPr lang="en-GB" b="1" dirty="0">
+                <a:solidFill>
+                  <a:schemeClr val="tx1"/>
+                </a:solidFill>
+                <a:latin typeface="+mn-lt"/>
+              </a:rPr>
+              <a:t>-</a:t>
+            </a:r>
+            <a:r>
+              <a:rPr lang="en-GB" b="1" dirty="0" err="1">
+                <a:solidFill>
+                  <a:schemeClr val="tx1"/>
+                </a:solidFill>
+                <a:latin typeface="+mn-lt"/>
+              </a:rPr>
+              <a:t>wx</a:t>
+            </a:r>
+            <a:endParaRPr lang="en-GB" b="1" dirty="0">
+              <a:solidFill>
+                <a:schemeClr val="tx1"/>
+              </a:solidFill>
+              <a:latin typeface="+mn-lt"/>
+            </a:endParaRPr>
+          </a:p>
+          <a:p>
+            <a:pPr eaLnBrk="1" hangingPunct="1">
+              <a:spcAft>
+                <a:spcPts val="1288"/>
+              </a:spcAft>
+              <a:buClrTx/>
+            </a:pPr>
+            <a:r>
+              <a:rPr lang="en-GB" dirty="0">
+                <a:solidFill>
+                  <a:schemeClr val="tx1"/>
+                </a:solidFill>
+                <a:latin typeface="+mn-lt"/>
+              </a:rPr>
+              <a:t>4= </a:t>
+            </a:r>
+            <a:r>
+              <a:rPr lang="en-GB" b="1" dirty="0">
+                <a:solidFill>
+                  <a:schemeClr val="tx1"/>
+                </a:solidFill>
+                <a:latin typeface="+mn-lt"/>
+              </a:rPr>
+              <a:t>r--</a:t>
+            </a:r>
+            <a:r>
+              <a:rPr lang="en-GB" dirty="0">
+                <a:solidFill>
+                  <a:schemeClr val="tx1"/>
+                </a:solidFill>
+                <a:latin typeface="+mn-lt"/>
+              </a:rPr>
+              <a:t> 		</a:t>
+            </a:r>
+            <a:r>
+              <a:rPr lang="en-GB" dirty="0" smtClean="0">
+                <a:solidFill>
+                  <a:schemeClr val="tx1"/>
+                </a:solidFill>
+                <a:latin typeface="+mn-lt"/>
+              </a:rPr>
+              <a:t>  	</a:t>
+            </a:r>
+            <a:r>
+              <a:rPr lang="en-GB" dirty="0">
+                <a:solidFill>
+                  <a:schemeClr val="tx1"/>
+                </a:solidFill>
+                <a:latin typeface="+mn-lt"/>
+              </a:rPr>
+              <a:t>	5= </a:t>
+            </a:r>
+            <a:r>
+              <a:rPr lang="en-GB" b="1" dirty="0">
+                <a:solidFill>
+                  <a:schemeClr val="tx1"/>
+                </a:solidFill>
+                <a:latin typeface="+mn-lt"/>
+              </a:rPr>
+              <a:t>r-x</a:t>
+            </a:r>
+            <a:r>
+              <a:rPr lang="en-GB" dirty="0">
+                <a:solidFill>
+                  <a:schemeClr val="tx1"/>
+                </a:solidFill>
+                <a:latin typeface="+mn-lt"/>
+              </a:rPr>
+              <a:t>			6= </a:t>
+            </a:r>
+            <a:r>
+              <a:rPr lang="en-GB" b="1" dirty="0" err="1">
+                <a:solidFill>
+                  <a:schemeClr val="tx1"/>
+                </a:solidFill>
+                <a:latin typeface="+mn-lt"/>
+              </a:rPr>
+              <a:t>rw</a:t>
+            </a:r>
+            <a:r>
+              <a:rPr lang="en-GB" b="1" dirty="0">
+                <a:solidFill>
+                  <a:schemeClr val="tx1"/>
+                </a:solidFill>
+                <a:latin typeface="+mn-lt"/>
+              </a:rPr>
+              <a:t>-</a:t>
+            </a:r>
+            <a:r>
+              <a:rPr lang="en-GB" dirty="0">
+                <a:solidFill>
+                  <a:schemeClr val="tx1"/>
+                </a:solidFill>
+                <a:latin typeface="+mn-lt"/>
+              </a:rPr>
+              <a:t>			7= </a:t>
+            </a:r>
+            <a:r>
+              <a:rPr lang="en-GB" b="1" dirty="0" err="1">
+                <a:solidFill>
+                  <a:schemeClr val="tx1"/>
+                </a:solidFill>
+                <a:latin typeface="+mn-lt"/>
+              </a:rPr>
+              <a:t>rwx</a:t>
+            </a:r>
+            <a:endParaRPr lang="en-GB" b="1" dirty="0">
+              <a:solidFill>
+                <a:schemeClr val="tx1"/>
+              </a:solidFill>
+              <a:latin typeface="+mn-lt"/>
+            </a:endParaRPr>
+          </a:p>
+        </p:txBody>
+      </p:sp>
+    </p:spTree>
+    <p:extLst>
+      <p:ext uri="{BB962C8B-B14F-4D97-AF65-F5344CB8AC3E}">
+        <p14:creationId xmlns:p14="http://schemas.microsoft.com/office/powerpoint/2010/main" val="2872878134"/>
+      </p:ext>
+    </p:extLst>
+  </p:cSld>
+  <p:clrMapOvr>
+    <a:masterClrMapping/>
+  </p:clrMapOvr>
+</p:sld>
+</file>
+
+<file path=ppt/slides/slide3.xml><?xml version="1.0" encoding="utf-8"?>
+<p:sld xmlns:a="http://schemas.openxmlformats.org/drawingml/2006/main" xmlns:r="http://schemas.openxmlformats.org/officeDocument/2006/relationships" xmlns:p="http://schemas.openxmlformats.org/presentationml/2006/main">
+  <p:cSld>
+    <p:spTree>
+      <p:nvGrpSpPr>
+        <p:cNvPr id="1" name=""/>
+        <p:cNvGrpSpPr/>
+        <p:nvPr/>
+      </p:nvGrpSpPr>
+      <p:grpSpPr>
+        <a:xfrm>
+          <a:off x="0" y="0"/>
+          <a:ext cx="0" cy="0"/>
+          <a:chOff x="0" y="0"/>
+          <a:chExt cx="0" cy="0"/>
+        </a:xfrm>
+      </p:grpSpPr>
+      <p:sp>
+        <p:nvSpPr>
+          <p:cNvPr id="6" name="Text Box 1"/>
+          <p:cNvSpPr txBox="1">
+            <a:spLocks noChangeArrowheads="1"/>
+          </p:cNvSpPr>
+          <p:nvPr/>
+        </p:nvSpPr>
+        <p:spPr bwMode="auto">
+          <a:xfrm>
+            <a:off x="668338" y="838200"/>
+            <a:ext cx="7807325" cy="4367212"/>
+          </a:xfrm>
+          <a:prstGeom prst="rect">
+            <a:avLst/>
+          </a:prstGeom>
+          <a:noFill/>
+          <a:ln>
+            <a:noFill/>
+          </a:ln>
+          <a:extLst>
+            <a:ext uri="{909E8E84-426E-40DD-AFC4-6F175D3DCCD1}">
+              <a14:hiddenFill xmlns:a14="http://schemas.microsoft.com/office/drawing/2010/main">
+                <a:solidFill>
+                  <a:srgbClr val="FFFFFF"/>
+                </a:solidFill>
+              </a14:hiddenFill>
+            </a:ext>
+            <a:ext uri="{91240B29-F687-4F45-9708-019B960494DF}">
+              <a14:hiddenLine xmlns:a14="http://schemas.microsoft.com/office/drawing/2010/main" w="9525">
+                <a:solidFill>
+                  <a:srgbClr val="000000"/>
+                </a:solidFill>
+                <a:round/>
+                <a:headEnd/>
+                <a:tailEnd/>
+              </a14:hiddenLine>
+            </a:ext>
+          </a:extLst>
+        </p:spPr>
+        <p:txBody>
+          <a:bodyPr lIns="0" tIns="62046" rIns="0" bIns="0"/>
+          <a:lstStyle>
+            <a:defPPr>
+              <a:defRPr lang="en-GB"/>
+            </a:defPPr>
+            <a:lvl1pPr algn="l" defTabSz="457200" rtl="0" fontAlgn="base">
+              <a:spcBef>
+                <a:spcPct val="0"/>
+              </a:spcBef>
+              <a:spcAft>
+                <a:spcPct val="0"/>
+              </a:spcAft>
+              <a:buClr>
+                <a:srgbClr val="000000"/>
+              </a:buClr>
+              <a:buSzPct val="100000"/>
+              <a:buFont typeface="Times New Roman" pitchFamily="-1" charset="0"/>
+              <a:defRPr sz="2400" kern="1200">
+                <a:solidFill>
+                  <a:schemeClr val="bg1"/>
+                </a:solidFill>
+                <a:latin typeface="Arial" charset="0"/>
+                <a:ea typeface="ＭＳ Ｐゴシック" charset="-128"/>
+                <a:cs typeface="+mn-cs"/>
+              </a:defRPr>
+            </a:lvl1pPr>
+            <a:lvl2pPr marL="742950" indent="-285750" algn="l" defTabSz="457200" rtl="0" fontAlgn="base">
+              <a:spcBef>
+                <a:spcPct val="0"/>
+              </a:spcBef>
+              <a:spcAft>
+                <a:spcPct val="0"/>
+              </a:spcAft>
+              <a:buClr>
+                <a:srgbClr val="000000"/>
+              </a:buClr>
+              <a:buSzPct val="100000"/>
+              <a:buFont typeface="Times New Roman" pitchFamily="-1" charset="0"/>
+              <a:defRPr sz="2400" kern="1200">
+                <a:solidFill>
+                  <a:schemeClr val="bg1"/>
+                </a:solidFill>
+                <a:latin typeface="Arial" charset="0"/>
+                <a:ea typeface="ＭＳ Ｐゴシック" charset="-128"/>
+                <a:cs typeface="+mn-cs"/>
+              </a:defRPr>
+            </a:lvl2pPr>
+            <a:lvl3pPr marL="1143000" indent="-228600" algn="l" defTabSz="457200" rtl="0" fontAlgn="base">
+              <a:spcBef>
+                <a:spcPct val="0"/>
+              </a:spcBef>
+              <a:spcAft>
+                <a:spcPct val="0"/>
+              </a:spcAft>
+              <a:buClr>
+                <a:srgbClr val="000000"/>
+              </a:buClr>
+              <a:buSzPct val="100000"/>
+              <a:buFont typeface="Times New Roman" pitchFamily="-1" charset="0"/>
+              <a:defRPr sz="2400" kern="1200">
+                <a:solidFill>
+                  <a:schemeClr val="bg1"/>
+                </a:solidFill>
+                <a:latin typeface="Arial" charset="0"/>
+                <a:ea typeface="ＭＳ Ｐゴシック" charset="-128"/>
+                <a:cs typeface="+mn-cs"/>
+              </a:defRPr>
+            </a:lvl3pPr>
+            <a:lvl4pPr marL="1600200" indent="-228600" algn="l" defTabSz="457200" rtl="0" fontAlgn="base">
+              <a:spcBef>
+                <a:spcPct val="0"/>
+              </a:spcBef>
+              <a:spcAft>
+                <a:spcPct val="0"/>
+              </a:spcAft>
+              <a:buClr>
+                <a:srgbClr val="000000"/>
+              </a:buClr>
+              <a:buSzPct val="100000"/>
+              <a:buFont typeface="Times New Roman" pitchFamily="-1" charset="0"/>
+              <a:defRPr sz="2400" kern="1200">
+                <a:solidFill>
+                  <a:schemeClr val="bg1"/>
+                </a:solidFill>
+                <a:latin typeface="Arial" charset="0"/>
+                <a:ea typeface="ＭＳ Ｐゴシック" charset="-128"/>
+                <a:cs typeface="+mn-cs"/>
+              </a:defRPr>
+            </a:lvl4pPr>
+            <a:lvl5pPr marL="2057400" indent="-228600" algn="l" defTabSz="457200" rtl="0" fontAlgn="base">
+              <a:spcBef>
+                <a:spcPct val="0"/>
+              </a:spcBef>
+              <a:spcAft>
+                <a:spcPct val="0"/>
+              </a:spcAft>
+              <a:buClr>
+                <a:srgbClr val="000000"/>
+              </a:buClr>
+              <a:buSzPct val="100000"/>
+              <a:buFont typeface="Times New Roman" pitchFamily="-1" charset="0"/>
+              <a:defRPr sz="2400" kern="1200">
+                <a:solidFill>
+                  <a:schemeClr val="bg1"/>
+                </a:solidFill>
+                <a:latin typeface="Arial" charset="0"/>
+                <a:ea typeface="ＭＳ Ｐゴシック" charset="-128"/>
+                <a:cs typeface="+mn-cs"/>
+              </a:defRPr>
+            </a:lvl5pPr>
+            <a:lvl6pPr marL="2286000" algn="l" defTabSz="914400" rtl="0" eaLnBrk="1" latinLnBrk="0" hangingPunct="1">
+              <a:defRPr sz="2400" kern="1200">
+                <a:solidFill>
+                  <a:schemeClr val="bg1"/>
+                </a:solidFill>
+                <a:latin typeface="Arial" charset="0"/>
+                <a:ea typeface="ＭＳ Ｐゴシック" charset="-128"/>
+                <a:cs typeface="+mn-cs"/>
+              </a:defRPr>
+            </a:lvl6pPr>
+            <a:lvl7pPr marL="2743200" algn="l" defTabSz="914400" rtl="0" eaLnBrk="1" latinLnBrk="0" hangingPunct="1">
+              <a:defRPr sz="2400" kern="1200">
+                <a:solidFill>
+                  <a:schemeClr val="bg1"/>
+                </a:solidFill>
+                <a:latin typeface="Arial" charset="0"/>
+                <a:ea typeface="ＭＳ Ｐゴシック" charset="-128"/>
+                <a:cs typeface="+mn-cs"/>
+              </a:defRPr>
+            </a:lvl7pPr>
+            <a:lvl8pPr marL="3200400" algn="l" defTabSz="914400" rtl="0" eaLnBrk="1" latinLnBrk="0" hangingPunct="1">
+              <a:defRPr sz="2400" kern="1200">
+                <a:solidFill>
+                  <a:schemeClr val="bg1"/>
+                </a:solidFill>
+                <a:latin typeface="Arial" charset="0"/>
+                <a:ea typeface="ＭＳ Ｐゴシック" charset="-128"/>
+                <a:cs typeface="+mn-cs"/>
+              </a:defRPr>
+            </a:lvl8pPr>
+            <a:lvl9pPr marL="3657600" algn="l" defTabSz="914400" rtl="0" eaLnBrk="1" latinLnBrk="0" hangingPunct="1">
+              <a:defRPr sz="2400" kern="1200">
+                <a:solidFill>
+                  <a:schemeClr val="bg1"/>
+                </a:solidFill>
+                <a:latin typeface="Arial" charset="0"/>
+                <a:ea typeface="ＭＳ Ｐゴシック" charset="-128"/>
+                <a:cs typeface="+mn-cs"/>
+              </a:defRPr>
+            </a:lvl9pPr>
+          </a:lstStyle>
+          <a:p>
+            <a:pPr eaLnBrk="1" hangingPunct="1">
+              <a:lnSpc>
+                <a:spcPct val="83000"/>
+              </a:lnSpc>
+              <a:spcAft>
+                <a:spcPts val="1288"/>
+              </a:spcAft>
+              <a:buClrTx/>
+            </a:pPr>
+            <a:r>
+              <a:rPr lang="en-GB" sz="2900" dirty="0">
+                <a:solidFill>
+                  <a:schemeClr val="tx1"/>
+                </a:solidFill>
+                <a:latin typeface="+mn-lt"/>
+              </a:rPr>
+              <a:t>There are two ways to set permissions when using the </a:t>
+            </a:r>
+            <a:r>
+              <a:rPr lang="en-GB" sz="2900" dirty="0" err="1">
+                <a:solidFill>
+                  <a:schemeClr val="tx1"/>
+                </a:solidFill>
+                <a:latin typeface="+mn-lt"/>
+              </a:rPr>
+              <a:t>chmod</a:t>
+            </a:r>
+            <a:r>
+              <a:rPr lang="en-GB" sz="2900" dirty="0">
+                <a:solidFill>
+                  <a:schemeClr val="tx1"/>
+                </a:solidFill>
+                <a:latin typeface="+mn-lt"/>
+              </a:rPr>
+              <a:t> command: </a:t>
+            </a:r>
+          </a:p>
+          <a:p>
+            <a:pPr eaLnBrk="1" hangingPunct="1">
+              <a:lnSpc>
+                <a:spcPct val="83000"/>
+              </a:lnSpc>
+              <a:spcAft>
+                <a:spcPts val="1288"/>
+              </a:spcAft>
+              <a:buClrTx/>
+            </a:pPr>
+            <a:r>
+              <a:rPr lang="en-GB" sz="2900" dirty="0">
+                <a:solidFill>
+                  <a:schemeClr val="tx1"/>
+                </a:solidFill>
+                <a:latin typeface="+mn-lt"/>
+              </a:rPr>
+              <a:t>Symbolic mode:</a:t>
+            </a:r>
+          </a:p>
+          <a:p>
+            <a:pPr eaLnBrk="1" hangingPunct="1">
+              <a:spcAft>
+                <a:spcPts val="1038"/>
+              </a:spcAft>
+              <a:buClrTx/>
+            </a:pPr>
+            <a:r>
+              <a:rPr lang="en-GB" i="1" dirty="0" err="1">
+                <a:solidFill>
+                  <a:schemeClr val="tx1"/>
+                </a:solidFill>
+                <a:latin typeface="+mn-lt"/>
+              </a:rPr>
+              <a:t>testfile</a:t>
+            </a:r>
+            <a:r>
+              <a:rPr lang="en-GB" dirty="0">
+                <a:solidFill>
+                  <a:schemeClr val="tx1"/>
+                </a:solidFill>
+                <a:latin typeface="+mn-lt"/>
+              </a:rPr>
+              <a:t> has permissions of -r--r--r-- </a:t>
+            </a:r>
+          </a:p>
+          <a:p>
+            <a:pPr eaLnBrk="1" hangingPunct="1">
+              <a:lnSpc>
+                <a:spcPct val="94000"/>
+              </a:lnSpc>
+              <a:spcAft>
+                <a:spcPts val="1288"/>
+              </a:spcAft>
+              <a:buClrTx/>
+            </a:pPr>
+            <a:r>
+              <a:rPr lang="en-GB" dirty="0">
+                <a:solidFill>
+                  <a:schemeClr val="tx1"/>
+                </a:solidFill>
+                <a:latin typeface="+mn-lt"/>
+              </a:rPr>
+              <a:t>                             </a:t>
+            </a:r>
+            <a:r>
+              <a:rPr lang="en-GB" dirty="0" smtClean="0">
+                <a:solidFill>
+                  <a:schemeClr val="tx1"/>
+                </a:solidFill>
+                <a:latin typeface="+mn-lt"/>
+              </a:rPr>
+              <a:t>						 </a:t>
+            </a:r>
+            <a:r>
+              <a:rPr lang="en-GB" u="sng" dirty="0">
+                <a:solidFill>
+                  <a:schemeClr val="tx1"/>
+                </a:solidFill>
+                <a:latin typeface="+mn-lt"/>
+              </a:rPr>
+              <a:t>U</a:t>
+            </a:r>
+            <a:r>
+              <a:rPr lang="en-GB" dirty="0">
+                <a:solidFill>
+                  <a:schemeClr val="tx1"/>
+                </a:solidFill>
+                <a:latin typeface="+mn-lt"/>
+              </a:rPr>
+              <a:t> </a:t>
+            </a:r>
+            <a:r>
+              <a:rPr lang="en-GB" dirty="0" smtClean="0">
+                <a:solidFill>
+                  <a:schemeClr val="tx1"/>
+                </a:solidFill>
+                <a:latin typeface="+mn-lt"/>
+              </a:rPr>
+              <a:t>		</a:t>
+            </a:r>
+            <a:r>
+              <a:rPr lang="en-GB" u="sng" dirty="0" smtClean="0">
+                <a:solidFill>
+                  <a:schemeClr val="tx1"/>
+                </a:solidFill>
+                <a:latin typeface="+mn-lt"/>
+              </a:rPr>
+              <a:t>G</a:t>
+            </a:r>
+            <a:r>
+              <a:rPr lang="en-GB" dirty="0" smtClean="0">
+                <a:solidFill>
+                  <a:schemeClr val="tx1"/>
+                </a:solidFill>
+                <a:latin typeface="+mn-lt"/>
+              </a:rPr>
+              <a:t> 		</a:t>
+            </a:r>
+            <a:r>
+              <a:rPr lang="en-GB" u="sng" dirty="0" smtClean="0">
+                <a:solidFill>
+                  <a:schemeClr val="tx1"/>
+                </a:solidFill>
+                <a:latin typeface="+mn-lt"/>
+              </a:rPr>
+              <a:t>O</a:t>
+            </a:r>
+            <a:r>
+              <a:rPr lang="en-GB" baseline="33000" dirty="0">
+                <a:solidFill>
+                  <a:schemeClr val="tx1"/>
+                </a:solidFill>
+                <a:latin typeface="+mn-lt"/>
+              </a:rPr>
+              <a:t>*</a:t>
+            </a:r>
+          </a:p>
+          <a:p>
+            <a:pPr eaLnBrk="1" hangingPunct="1">
+              <a:lnSpc>
+                <a:spcPct val="94000"/>
+              </a:lnSpc>
+              <a:spcAft>
+                <a:spcPts val="1288"/>
+              </a:spcAft>
+              <a:buClrTx/>
+            </a:pPr>
+            <a:r>
+              <a:rPr lang="en-GB" dirty="0">
+                <a:solidFill>
+                  <a:schemeClr val="tx1"/>
+                </a:solidFill>
+                <a:latin typeface="+mn-lt"/>
+              </a:rPr>
+              <a:t>$ </a:t>
+            </a:r>
+            <a:r>
+              <a:rPr lang="en-GB" dirty="0" err="1">
+                <a:solidFill>
+                  <a:schemeClr val="tx1"/>
+                </a:solidFill>
+                <a:latin typeface="+mn-lt"/>
+              </a:rPr>
+              <a:t>chmod</a:t>
+            </a:r>
+            <a:r>
+              <a:rPr lang="en-GB" dirty="0">
+                <a:solidFill>
+                  <a:schemeClr val="tx1"/>
+                </a:solidFill>
+                <a:latin typeface="+mn-lt"/>
+              </a:rPr>
+              <a:t> </a:t>
+            </a:r>
+            <a:r>
+              <a:rPr lang="en-GB" dirty="0" err="1">
+                <a:solidFill>
+                  <a:schemeClr val="tx1"/>
+                </a:solidFill>
+                <a:latin typeface="+mn-lt"/>
+              </a:rPr>
+              <a:t>g+x</a:t>
+            </a:r>
+            <a:r>
+              <a:rPr lang="en-GB" dirty="0">
+                <a:solidFill>
+                  <a:schemeClr val="tx1"/>
+                </a:solidFill>
+                <a:latin typeface="+mn-lt"/>
+              </a:rPr>
+              <a:t> </a:t>
+            </a:r>
+            <a:r>
+              <a:rPr lang="en-GB" dirty="0" err="1">
+                <a:solidFill>
+                  <a:schemeClr val="tx1"/>
+                </a:solidFill>
+                <a:latin typeface="+mn-lt"/>
+              </a:rPr>
+              <a:t>testfile</a:t>
+            </a:r>
+            <a:r>
+              <a:rPr lang="en-GB" dirty="0">
+                <a:solidFill>
+                  <a:schemeClr val="tx1"/>
+                </a:solidFill>
+                <a:latin typeface="+mn-lt"/>
+              </a:rPr>
+              <a:t>			</a:t>
+            </a:r>
+            <a:r>
+              <a:rPr lang="en-GB" b="1" dirty="0">
+                <a:solidFill>
+                  <a:schemeClr val="tx1"/>
+                </a:solidFill>
+                <a:latin typeface="+mn-lt"/>
+              </a:rPr>
+              <a:t>==&gt;</a:t>
+            </a:r>
+            <a:r>
+              <a:rPr lang="en-GB" dirty="0">
+                <a:solidFill>
+                  <a:schemeClr val="tx1"/>
+                </a:solidFill>
+                <a:latin typeface="+mn-lt"/>
+              </a:rPr>
+              <a:t>	</a:t>
+            </a:r>
+            <a:r>
+              <a:rPr lang="en-GB" dirty="0" smtClean="0">
+                <a:solidFill>
+                  <a:schemeClr val="tx1"/>
+                </a:solidFill>
+                <a:latin typeface="+mn-lt"/>
+              </a:rPr>
+              <a:t>r--  		r-x  	r-</a:t>
+            </a:r>
+            <a:r>
+              <a:rPr lang="en-GB" dirty="0">
+                <a:solidFill>
+                  <a:schemeClr val="tx1"/>
+                </a:solidFill>
+                <a:latin typeface="+mn-lt"/>
+              </a:rPr>
+              <a:t>-</a:t>
+            </a:r>
+          </a:p>
+          <a:p>
+            <a:pPr eaLnBrk="1" hangingPunct="1">
+              <a:lnSpc>
+                <a:spcPct val="94000"/>
+              </a:lnSpc>
+              <a:spcAft>
+                <a:spcPts val="1288"/>
+              </a:spcAft>
+              <a:buClrTx/>
+            </a:pPr>
+            <a:r>
+              <a:rPr lang="en-GB" dirty="0">
+                <a:solidFill>
+                  <a:schemeClr val="tx1"/>
+                </a:solidFill>
+                <a:latin typeface="+mn-lt"/>
+              </a:rPr>
+              <a:t>$ </a:t>
+            </a:r>
+            <a:r>
+              <a:rPr lang="en-GB" dirty="0" err="1">
+                <a:solidFill>
+                  <a:schemeClr val="tx1"/>
+                </a:solidFill>
+                <a:latin typeface="+mn-lt"/>
+              </a:rPr>
+              <a:t>chmod</a:t>
+            </a:r>
+            <a:r>
+              <a:rPr lang="en-GB" dirty="0">
+                <a:solidFill>
+                  <a:schemeClr val="tx1"/>
+                </a:solidFill>
+                <a:latin typeface="+mn-lt"/>
+              </a:rPr>
+              <a:t> </a:t>
+            </a:r>
+            <a:r>
+              <a:rPr lang="en-GB" dirty="0" err="1">
+                <a:solidFill>
+                  <a:schemeClr val="tx1"/>
+                </a:solidFill>
+                <a:latin typeface="+mn-lt"/>
+              </a:rPr>
+              <a:t>u+wx</a:t>
+            </a:r>
+            <a:r>
+              <a:rPr lang="en-GB" dirty="0">
+                <a:solidFill>
+                  <a:schemeClr val="tx1"/>
+                </a:solidFill>
+                <a:latin typeface="+mn-lt"/>
+              </a:rPr>
+              <a:t> </a:t>
+            </a:r>
+            <a:r>
+              <a:rPr lang="en-GB" dirty="0" err="1">
+                <a:solidFill>
+                  <a:schemeClr val="tx1"/>
+                </a:solidFill>
+                <a:latin typeface="+mn-lt"/>
+              </a:rPr>
+              <a:t>testfile</a:t>
+            </a:r>
+            <a:r>
+              <a:rPr lang="en-GB" dirty="0">
+                <a:solidFill>
+                  <a:schemeClr val="tx1"/>
+                </a:solidFill>
+                <a:latin typeface="+mn-lt"/>
+              </a:rPr>
+              <a:t>		</a:t>
+            </a:r>
+            <a:r>
+              <a:rPr lang="en-GB" b="1" dirty="0">
+                <a:solidFill>
+                  <a:schemeClr val="tx1"/>
+                </a:solidFill>
+                <a:latin typeface="+mn-lt"/>
+              </a:rPr>
+              <a:t>==&gt;</a:t>
+            </a:r>
+            <a:r>
+              <a:rPr lang="en-GB" dirty="0">
+                <a:solidFill>
+                  <a:schemeClr val="tx1"/>
+                </a:solidFill>
+                <a:latin typeface="+mn-lt"/>
+              </a:rPr>
+              <a:t>	</a:t>
+            </a:r>
+            <a:r>
+              <a:rPr lang="en-GB" dirty="0" err="1" smtClean="0">
+                <a:solidFill>
+                  <a:schemeClr val="tx1"/>
+                </a:solidFill>
+                <a:latin typeface="+mn-lt"/>
+              </a:rPr>
+              <a:t>rwx</a:t>
+            </a:r>
+            <a:r>
+              <a:rPr lang="en-GB" dirty="0" smtClean="0">
+                <a:solidFill>
+                  <a:schemeClr val="tx1"/>
+                </a:solidFill>
+                <a:latin typeface="+mn-lt"/>
+              </a:rPr>
+              <a:t>	r-x		r-</a:t>
+            </a:r>
+            <a:r>
+              <a:rPr lang="en-GB" dirty="0">
+                <a:solidFill>
+                  <a:schemeClr val="tx1"/>
+                </a:solidFill>
+                <a:latin typeface="+mn-lt"/>
+              </a:rPr>
+              <a:t>-</a:t>
+            </a:r>
+          </a:p>
+          <a:p>
+            <a:pPr eaLnBrk="1" hangingPunct="1">
+              <a:lnSpc>
+                <a:spcPct val="94000"/>
+              </a:lnSpc>
+              <a:spcAft>
+                <a:spcPts val="1288"/>
+              </a:spcAft>
+              <a:buClrTx/>
+            </a:pPr>
+            <a:r>
+              <a:rPr lang="en-GB" dirty="0">
+                <a:solidFill>
+                  <a:schemeClr val="tx1"/>
+                </a:solidFill>
+                <a:latin typeface="+mn-lt"/>
+              </a:rPr>
+              <a:t>$ </a:t>
+            </a:r>
+            <a:r>
+              <a:rPr lang="en-GB" dirty="0" err="1">
+                <a:solidFill>
+                  <a:schemeClr val="tx1"/>
+                </a:solidFill>
+                <a:latin typeface="+mn-lt"/>
+              </a:rPr>
+              <a:t>chmod</a:t>
+            </a:r>
+            <a:r>
+              <a:rPr lang="en-GB" dirty="0">
+                <a:solidFill>
+                  <a:schemeClr val="tx1"/>
+                </a:solidFill>
+                <a:latin typeface="+mn-lt"/>
+              </a:rPr>
+              <a:t> </a:t>
+            </a:r>
+            <a:r>
+              <a:rPr lang="en-GB" dirty="0" err="1">
+                <a:solidFill>
+                  <a:schemeClr val="tx1"/>
+                </a:solidFill>
+                <a:latin typeface="+mn-lt"/>
+              </a:rPr>
+              <a:t>ug</a:t>
+            </a:r>
+            <a:r>
+              <a:rPr lang="en-GB" dirty="0">
+                <a:solidFill>
+                  <a:schemeClr val="tx1"/>
+                </a:solidFill>
+                <a:latin typeface="+mn-lt"/>
+              </a:rPr>
+              <a:t>-x </a:t>
+            </a:r>
+            <a:r>
+              <a:rPr lang="en-GB" dirty="0" err="1">
+                <a:solidFill>
+                  <a:schemeClr val="tx1"/>
+                </a:solidFill>
+                <a:latin typeface="+mn-lt"/>
+              </a:rPr>
+              <a:t>testfile</a:t>
+            </a:r>
+            <a:r>
+              <a:rPr lang="en-GB" dirty="0">
+                <a:solidFill>
+                  <a:schemeClr val="tx1"/>
+                </a:solidFill>
+                <a:latin typeface="+mn-lt"/>
+              </a:rPr>
+              <a:t>		</a:t>
+            </a:r>
+            <a:r>
+              <a:rPr lang="en-GB" dirty="0" smtClean="0">
+                <a:solidFill>
+                  <a:schemeClr val="tx1"/>
+                </a:solidFill>
+                <a:latin typeface="+mn-lt"/>
+              </a:rPr>
+              <a:t>	</a:t>
+            </a:r>
+            <a:r>
+              <a:rPr lang="en-GB" b="1" dirty="0" smtClean="0">
+                <a:solidFill>
+                  <a:schemeClr val="tx1"/>
+                </a:solidFill>
+                <a:latin typeface="+mn-lt"/>
+              </a:rPr>
+              <a:t>==&gt;</a:t>
+            </a:r>
+            <a:r>
+              <a:rPr lang="en-GB" dirty="0">
+                <a:solidFill>
+                  <a:schemeClr val="tx1"/>
+                </a:solidFill>
+                <a:latin typeface="+mn-lt"/>
+              </a:rPr>
+              <a:t>	</a:t>
+            </a:r>
+            <a:r>
+              <a:rPr lang="en-GB" dirty="0" err="1" smtClean="0">
+                <a:solidFill>
+                  <a:schemeClr val="tx1"/>
+                </a:solidFill>
+                <a:latin typeface="+mn-lt"/>
+              </a:rPr>
+              <a:t>rw</a:t>
+            </a:r>
+            <a:r>
+              <a:rPr lang="en-GB" dirty="0" smtClean="0">
+                <a:solidFill>
+                  <a:schemeClr val="tx1"/>
+                </a:solidFill>
+                <a:latin typeface="+mn-lt"/>
+              </a:rPr>
+              <a:t>-		-r-		-</a:t>
+            </a:r>
+            <a:r>
+              <a:rPr lang="en-GB" dirty="0">
+                <a:solidFill>
+                  <a:schemeClr val="tx1"/>
+                </a:solidFill>
+                <a:latin typeface="+mn-lt"/>
+              </a:rPr>
+              <a:t>r--</a:t>
+            </a:r>
+          </a:p>
+          <a:p>
+            <a:pPr eaLnBrk="1" hangingPunct="1">
+              <a:lnSpc>
+                <a:spcPct val="94000"/>
+              </a:lnSpc>
+              <a:spcAft>
+                <a:spcPts val="1288"/>
+              </a:spcAft>
+              <a:buClrTx/>
+            </a:pPr>
+            <a:r>
+              <a:rPr lang="en-GB" dirty="0">
+                <a:solidFill>
+                  <a:schemeClr val="tx1"/>
+                </a:solidFill>
+                <a:latin typeface="+mn-lt"/>
+              </a:rPr>
+              <a:t>U=user, G=group, O=other (world)</a:t>
+            </a:r>
+          </a:p>
+        </p:txBody>
+      </p:sp>
+    </p:spTree>
+    <p:extLst>
+      <p:ext uri="{BB962C8B-B14F-4D97-AF65-F5344CB8AC3E}">
+        <p14:creationId xmlns:p14="http://schemas.microsoft.com/office/powerpoint/2010/main" val="781924930"/>
+      </p:ext>
+    </p:extLst>
+  </p:cSld>
+  <p:clrMapOvr>
+    <a:masterClrMapping/>
+  </p:clrMapOvr>
+</p:sld>
+</file>
+
+<file path=ppt/slides/slide4.xml><?xml version="1.0" encoding="utf-8"?>
+<p:sld xmlns:a="http://schemas.openxmlformats.org/drawingml/2006/main" xmlns:r="http://schemas.openxmlformats.org/officeDocument/2006/relationships" xmlns:p="http://schemas.openxmlformats.org/presentationml/2006/main">
+  <p:cSld>
+    <p:spTree>
+      <p:nvGrpSpPr>
+        <p:cNvPr id="1" name=""/>
+        <p:cNvGrpSpPr/>
+        <p:nvPr/>
+      </p:nvGrpSpPr>
+      <p:grpSpPr>
+        <a:xfrm>
+          <a:off x="0" y="0"/>
+          <a:ext cx="0" cy="0"/>
+          <a:chOff x="0" y="0"/>
+          <a:chExt cx="0" cy="0"/>
+        </a:xfrm>
+      </p:grpSpPr>
+      <p:sp>
+        <p:nvSpPr>
+          <p:cNvPr id="2" name="Rectangle 1"/>
+          <p:cNvSpPr/>
+          <p:nvPr/>
+        </p:nvSpPr>
+        <p:spPr>
+          <a:xfrm>
+            <a:off x="1254133" y="914400"/>
+            <a:ext cx="4318811" cy="461665"/>
+          </a:xfrm>
+          <a:prstGeom prst="rect">
+            <a:avLst/>
+          </a:prstGeom>
+        </p:spPr>
+        <p:txBody>
+          <a:bodyPr wrap="none">
+            <a:spAutoFit/>
+          </a:bodyPr>
+          <a:lstStyle/>
+          <a:p>
+            <a:r>
+              <a:rPr lang="en-US" sz="2400" dirty="0"/>
+              <a:t>Changing Ownership and Group</a:t>
+            </a:r>
+          </a:p>
+        </p:txBody>
+      </p:sp>
+      <p:sp>
+        <p:nvSpPr>
+          <p:cNvPr id="5" name="Rectangle 3"/>
+          <p:cNvSpPr>
+            <a:spLocks noChangeArrowheads="1"/>
+          </p:cNvSpPr>
+          <p:nvPr/>
+        </p:nvSpPr>
+        <p:spPr bwMode="auto">
+          <a:xfrm>
+            <a:off x="609600" y="1636216"/>
+            <a:ext cx="7467600" cy="4154984"/>
+          </a:xfrm>
+          <a:prstGeom prst="rect">
+            <a:avLst/>
+          </a:prstGeom>
+          <a:noFill/>
+          <a:ln>
+            <a:noFill/>
+          </a:ln>
+          <a:effectLst/>
+          <a:extLst>
+            <a:ext uri="{909E8E84-426E-40DD-AFC4-6F175D3DCCD1}">
+              <a14:hiddenFill xmlns:a14="http://schemas.microsoft.com/office/drawing/2010/main">
+                <a:solidFill>
+                  <a:schemeClr val="accent1"/>
+                </a:solidFill>
+              </a14:hiddenFill>
+            </a:ext>
+            <a:ext uri="{91240B29-F687-4F45-9708-019B960494DF}">
+              <a14:hiddenLine xmlns:a14="http://schemas.microsoft.com/office/drawing/2010/main" w="9525">
+                <a:solidFill>
+                  <a:schemeClr val="tx1"/>
+                </a:solidFill>
+                <a:miter lim="800000"/>
+                <a:headEnd/>
+                <a:tailEnd/>
+              </a14:hiddenLine>
+            </a:ext>
+            <a:ext uri="{AF507438-7753-43E0-B8FC-AC1667EBCBE1}">
+              <a14:hiddenEffects xmlns:a14="http://schemas.microsoft.com/office/drawing/2010/main">
+                <a:effectLst>
+                  <a:outerShdw dist="35921" dir="2700000" algn="ctr" rotWithShape="0">
+                    <a:schemeClr val="bg2"/>
+                  </a:outerShdw>
+                </a:effectLst>
+              </a14:hiddenEffects>
+            </a:ext>
+          </a:extLst>
+        </p:spPr>
+        <p:txBody>
+          <a:bodyPr vert="horz" wrap="square" lIns="91440" tIns="45720" rIns="91440" bIns="45720" numCol="1" anchor="ctr" anchorCtr="0" compatLnSpc="1">
+            <a:prstTxWarp prst="textNoShape">
+              <a:avLst/>
+            </a:prstTxWarp>
+            <a:spAutoFit/>
+          </a:bodyPr>
+          <a:lstStyle/>
+          <a:p>
+            <a:pPr marL="0" marR="0" lvl="0" indent="0" algn="l" defTabSz="914400" rtl="0" eaLnBrk="1" fontAlgn="base" latinLnBrk="0" hangingPunct="1">
+              <a:lnSpc>
+                <a:spcPct val="100000"/>
+              </a:lnSpc>
+              <a:spcBef>
+                <a:spcPct val="0"/>
+              </a:spcBef>
+              <a:spcAft>
+                <a:spcPct val="0"/>
+              </a:spcAft>
+              <a:buClrTx/>
+              <a:buSzTx/>
+              <a:buFontTx/>
+              <a:buNone/>
+              <a:tabLst/>
+            </a:pPr>
+            <a:r>
+              <a:rPr kumimoji="0" lang="en-US" sz="2400" b="0" i="0" u="none" strike="noStrike" cap="none" normalizeH="0" baseline="0" dirty="0" smtClean="0">
+                <a:ln>
+                  <a:noFill/>
+                </a:ln>
+                <a:solidFill>
+                  <a:schemeClr val="tx1"/>
+                </a:solidFill>
+                <a:effectLst/>
+                <a:cs typeface="Arial" pitchFamily="34" charset="0"/>
+              </a:rPr>
+              <a:t># </a:t>
+            </a:r>
+            <a:r>
+              <a:rPr kumimoji="0" lang="en-US" sz="2400" b="0" i="0" u="none" strike="noStrike" cap="none" normalizeH="0" baseline="0" dirty="0" err="1" smtClean="0">
+                <a:ln>
+                  <a:noFill/>
+                </a:ln>
+                <a:solidFill>
+                  <a:schemeClr val="tx1"/>
+                </a:solidFill>
+                <a:effectLst/>
+                <a:cs typeface="Arial" pitchFamily="34" charset="0"/>
+              </a:rPr>
+              <a:t>chown</a:t>
+            </a:r>
+            <a:r>
+              <a:rPr kumimoji="0" lang="en-US" sz="2400" b="0" i="0" u="none" strike="noStrike" cap="none" normalizeH="0" baseline="0" dirty="0" smtClean="0">
+                <a:ln>
+                  <a:noFill/>
+                </a:ln>
+                <a:solidFill>
+                  <a:schemeClr val="tx1"/>
+                </a:solidFill>
+                <a:effectLst/>
+                <a:cs typeface="Arial" pitchFamily="34" charset="0"/>
+              </a:rPr>
+              <a:t> user :-</a:t>
+            </a:r>
+          </a:p>
+          <a:p>
+            <a:pPr lvl="0" fontAlgn="base">
+              <a:spcBef>
+                <a:spcPct val="0"/>
+              </a:spcBef>
+              <a:spcAft>
+                <a:spcPct val="0"/>
+              </a:spcAft>
+            </a:pPr>
+            <a:r>
+              <a:rPr lang="en-US" sz="2400" dirty="0" smtClean="0">
+                <a:cs typeface="Arial" pitchFamily="34" charset="0"/>
+              </a:rPr>
+              <a:t>    change </a:t>
+            </a:r>
+            <a:r>
+              <a:rPr lang="en-US" sz="2400" dirty="0">
+                <a:cs typeface="Arial" pitchFamily="34" charset="0"/>
+              </a:rPr>
+              <a:t>file owner and group</a:t>
+            </a:r>
+          </a:p>
+          <a:p>
+            <a:pPr marL="0" marR="0" lvl="0" indent="0" algn="l" defTabSz="914400" rtl="0" eaLnBrk="1" fontAlgn="base" latinLnBrk="0" hangingPunct="1">
+              <a:lnSpc>
+                <a:spcPct val="100000"/>
+              </a:lnSpc>
+              <a:spcBef>
+                <a:spcPct val="0"/>
+              </a:spcBef>
+              <a:spcAft>
+                <a:spcPct val="0"/>
+              </a:spcAft>
+              <a:buClrTx/>
+              <a:buSzTx/>
+              <a:buFontTx/>
+              <a:buNone/>
+              <a:tabLst/>
+            </a:pPr>
+            <a:endParaRPr lang="en-US" sz="2400" dirty="0" smtClean="0">
+              <a:cs typeface="Arial" pitchFamily="34" charset="0"/>
+            </a:endParaRPr>
+          </a:p>
+          <a:p>
+            <a:pPr marL="0" marR="0" lvl="0" indent="0" algn="l" defTabSz="914400" rtl="0" eaLnBrk="1" fontAlgn="base" latinLnBrk="0" hangingPunct="1">
+              <a:lnSpc>
+                <a:spcPct val="100000"/>
+              </a:lnSpc>
+              <a:spcBef>
+                <a:spcPct val="0"/>
+              </a:spcBef>
+              <a:spcAft>
+                <a:spcPct val="0"/>
+              </a:spcAft>
+              <a:buClrTx/>
+              <a:buSzTx/>
+              <a:buFontTx/>
+              <a:buNone/>
+              <a:tabLst/>
+            </a:pPr>
+            <a:r>
+              <a:rPr lang="en-US" sz="2400" dirty="0" smtClean="0">
+                <a:cs typeface="Arial" pitchFamily="34" charset="0"/>
+              </a:rPr>
+              <a:t>For example :-</a:t>
+            </a:r>
+            <a:endParaRPr lang="en-US" sz="2400" dirty="0">
+              <a:cs typeface="Arial" pitchFamily="34" charset="0"/>
+            </a:endParaRPr>
+          </a:p>
+          <a:p>
+            <a:pPr lvl="0" fontAlgn="base">
+              <a:spcBef>
+                <a:spcPct val="0"/>
+              </a:spcBef>
+              <a:spcAft>
+                <a:spcPct val="0"/>
+              </a:spcAft>
+            </a:pPr>
+            <a:r>
+              <a:rPr lang="en-US" dirty="0" smtClean="0"/>
+              <a:t># </a:t>
+            </a:r>
+            <a:r>
+              <a:rPr lang="en-US" dirty="0" err="1" smtClean="0"/>
+              <a:t>chown</a:t>
+            </a:r>
+            <a:r>
+              <a:rPr lang="en-US" dirty="0" smtClean="0"/>
+              <a:t> </a:t>
+            </a:r>
+            <a:r>
+              <a:rPr lang="en-US" dirty="0" err="1"/>
+              <a:t>user:group</a:t>
+            </a:r>
+            <a:r>
+              <a:rPr lang="en-US" dirty="0"/>
+              <a:t> filename</a:t>
+            </a:r>
+            <a:r>
+              <a:rPr kumimoji="0" lang="en-US" b="0" i="0" u="none" strike="noStrike" cap="none" normalizeH="0" baseline="0" dirty="0" smtClean="0">
+                <a:ln>
+                  <a:noFill/>
+                </a:ln>
+                <a:solidFill>
+                  <a:schemeClr val="tx1"/>
+                </a:solidFill>
+                <a:effectLst/>
+                <a:cs typeface="Arial" pitchFamily="34" charset="0"/>
+              </a:rPr>
+              <a:t> </a:t>
+            </a:r>
+          </a:p>
+          <a:p>
+            <a:pPr lvl="0" fontAlgn="base">
+              <a:spcBef>
+                <a:spcPct val="0"/>
+              </a:spcBef>
+              <a:spcAft>
+                <a:spcPct val="0"/>
+              </a:spcAft>
+            </a:pPr>
+            <a:endParaRPr lang="en-US" dirty="0">
+              <a:cs typeface="Arial" pitchFamily="34" charset="0"/>
+            </a:endParaRPr>
+          </a:p>
+          <a:p>
+            <a:pPr lvl="0" fontAlgn="base">
+              <a:spcBef>
+                <a:spcPct val="0"/>
+              </a:spcBef>
+              <a:spcAft>
+                <a:spcPct val="0"/>
+              </a:spcAft>
+            </a:pPr>
+            <a:r>
+              <a:rPr kumimoji="0" lang="en-US" b="0" i="0" u="none" strike="noStrike" cap="none" normalizeH="0" baseline="0" dirty="0" smtClean="0">
+                <a:ln>
+                  <a:noFill/>
+                </a:ln>
+                <a:solidFill>
+                  <a:schemeClr val="tx1"/>
+                </a:solidFill>
+                <a:effectLst/>
+                <a:cs typeface="Arial" pitchFamily="34" charset="0"/>
+              </a:rPr>
+              <a:t>For more information see the man page</a:t>
+            </a:r>
+            <a:r>
+              <a:rPr kumimoji="0" lang="en-US" b="0" i="0" u="none" strike="noStrike" cap="none" normalizeH="0" dirty="0" smtClean="0">
+                <a:ln>
+                  <a:noFill/>
+                </a:ln>
+                <a:solidFill>
+                  <a:schemeClr val="tx1"/>
+                </a:solidFill>
+                <a:effectLst/>
+                <a:cs typeface="Arial" pitchFamily="34" charset="0"/>
+              </a:rPr>
+              <a:t> of </a:t>
+            </a:r>
+            <a:r>
+              <a:rPr kumimoji="0" lang="en-US" b="0" i="0" u="none" strike="noStrike" cap="none" normalizeH="0" dirty="0" err="1" smtClean="0">
+                <a:ln>
+                  <a:noFill/>
+                </a:ln>
+                <a:solidFill>
+                  <a:schemeClr val="tx1"/>
+                </a:solidFill>
+                <a:effectLst/>
+                <a:cs typeface="Arial" pitchFamily="34" charset="0"/>
+              </a:rPr>
+              <a:t>chown</a:t>
+            </a:r>
+            <a:endParaRPr kumimoji="0" lang="en-US" b="0" i="0" u="none" strike="noStrike" cap="none" normalizeH="0" dirty="0" smtClean="0">
+              <a:ln>
+                <a:noFill/>
+              </a:ln>
+              <a:solidFill>
+                <a:schemeClr val="tx1"/>
+              </a:solidFill>
+              <a:effectLst/>
+              <a:cs typeface="Arial" pitchFamily="34" charset="0"/>
+            </a:endParaRPr>
+          </a:p>
+          <a:p>
+            <a:pPr lvl="0" fontAlgn="base">
+              <a:spcBef>
+                <a:spcPct val="0"/>
+              </a:spcBef>
+              <a:spcAft>
+                <a:spcPct val="0"/>
+              </a:spcAft>
+            </a:pPr>
+            <a:r>
+              <a:rPr lang="en-US" baseline="0" dirty="0" smtClean="0">
+                <a:cs typeface="Arial" pitchFamily="34" charset="0"/>
+              </a:rPr>
+              <a:t>#</a:t>
+            </a:r>
+            <a:r>
+              <a:rPr lang="en-US" dirty="0" smtClean="0">
+                <a:cs typeface="Arial" pitchFamily="34" charset="0"/>
+              </a:rPr>
+              <a:t> man </a:t>
+            </a:r>
+            <a:r>
+              <a:rPr lang="en-US" dirty="0" err="1" smtClean="0">
+                <a:cs typeface="Arial" pitchFamily="34" charset="0"/>
+              </a:rPr>
+              <a:t>chown</a:t>
+            </a:r>
+            <a:endParaRPr kumimoji="0" lang="en-US" b="0" i="0" u="none" strike="noStrike" cap="none" normalizeH="0" baseline="0" dirty="0" smtClean="0">
+              <a:ln>
+                <a:noFill/>
+              </a:ln>
+              <a:solidFill>
+                <a:schemeClr val="tx1"/>
+              </a:solidFill>
+              <a:effectLst/>
+              <a:cs typeface="Arial" pitchFamily="34" charset="0"/>
+            </a:endParaRPr>
+          </a:p>
+          <a:p>
+            <a:pPr lvl="0" fontAlgn="base">
+              <a:spcBef>
+                <a:spcPct val="0"/>
+              </a:spcBef>
+              <a:spcAft>
+                <a:spcPct val="0"/>
+              </a:spcAft>
+            </a:pPr>
+            <a:endParaRPr lang="en-US" sz="4800" dirty="0">
+              <a:cs typeface="Arial" pitchFamily="34" charset="0"/>
+            </a:endParaRPr>
+          </a:p>
+          <a:p>
+            <a:pPr lvl="0" fontAlgn="base">
+              <a:spcBef>
+                <a:spcPct val="0"/>
+              </a:spcBef>
+              <a:spcAft>
+                <a:spcPct val="0"/>
+              </a:spcAft>
+            </a:pPr>
+            <a:endParaRPr kumimoji="0" lang="en-US" sz="4800" b="0" i="0" u="none" strike="noStrike" cap="none" normalizeH="0" baseline="0" dirty="0" smtClean="0">
+              <a:ln>
+                <a:noFill/>
+              </a:ln>
+              <a:solidFill>
+                <a:schemeClr val="tx1"/>
+              </a:solidFill>
+              <a:effectLst/>
+              <a:cs typeface="Arial" pitchFamily="34" charset="0"/>
+            </a:endParaRPr>
+          </a:p>
+        </p:txBody>
+      </p:sp>
+    </p:spTree>
+    <p:extLst>
+      <p:ext uri="{BB962C8B-B14F-4D97-AF65-F5344CB8AC3E}">
+        <p14:creationId xmlns:p14="http://schemas.microsoft.com/office/powerpoint/2010/main" val="1883298434"/>
+      </p:ext>
+    </p:extLst>
+  </p:cSld>
+  <p:clrMapOvr>
+    <a:masterClrMapping/>
+  </p:clrMapOvr>
+</p:sld>
+</file>
+
 <file path=ppt/theme/theme1.xml><?xml version="1.0" encoding="utf-8"?>
-<a:theme xmlns:a="http://schemas.openxmlformats.org/drawingml/2006/main" name="Office Theme">
+<a:theme xmlns:a="http://schemas.openxmlformats.org/drawingml/2006/main" name="Tradeshow">
   <a:themeElements>
-    <a:clrScheme name="Office">
+    <a:clrScheme name="Tradeshow">
       <a:dk1>
-        <a:sysClr val="windowText" lastClr="000000"/>
+        <a:srgbClr val="3F3F3F"/>
       </a:dk1>
       <a:lt1>
-        <a:sysClr val="window" lastClr="FFFFFF"/>
+        <a:srgbClr val="FFFFFF"/>
       </a:lt1>
       <a:dk2>
-        <a:srgbClr val="1F497D"/>
+        <a:srgbClr val="7DAFC3"/>
       </a:dk2>
       <a:lt2>
-        <a:srgbClr val="EEECE1"/>
+        <a:srgbClr val="E5E4DF"/>
       </a:lt2>
       <a:accent1>
-        <a:srgbClr val="4F81BD"/>
+        <a:srgbClr val="7C959A"/>
       </a:accent1>
       <a:accent2>
-        <a:srgbClr val="C0504D"/>
+        <a:srgbClr val="DB8631"/>
       </a:accent2>
       <a:accent3>
-        <a:srgbClr val="9BBB59"/>
+        <a:srgbClr val="E3CC5A"/>
       </a:accent3>
       <a:accent4>
-        <a:srgbClr val="8064A2"/>
+        <a:srgbClr val="ACADA8"/>
       </a:accent4>
       <a:accent5>
-        <a:srgbClr val="4BACC6"/>
+        <a:srgbClr val="927C61"/>
       </a:accent5>
       <a:accent6>
-        <a:srgbClr val="F79646"/>
+        <a:srgbClr val="B3B435"/>
       </a:accent6>
       <a:hlink>
-        <a:srgbClr val="0000FF"/>
+        <a:srgbClr val="0079A4"/>
       </a:hlink>
       <a:folHlink>
-        <a:srgbClr val="800080"/>
+        <a:srgbClr val="595959"/>
       </a:folHlink>
     </a:clrScheme>
-    <a:fontScheme name="Office">
+    <a:fontScheme name="Tradeshow">
       <a:majorFont>
-        <a:latin typeface="Calibri"/>
+        <a:latin typeface="Arial Black"/>
         <a:ea typeface=""/>
         <a:cs typeface=""/>
         <a:font script="Jpan" typeface="ＭＳ Ｐゴシック"/>
-        <a:font script="Hang" typeface="맑은 고딕"/>
+        <a:font script="Hang" typeface="HY견고딕"/>
         <a:font script="Hans" typeface="宋体"/>
         <a:font script="Hant" typeface="新細明體"/>
-        <a:font script="Arab" typeface="Times New Roman"/>
-        <a:font script="Hebr" typeface="Times New Roman"/>
-        <a:font script="Thai" typeface="Angsana New"/>
+        <a:font script="Arab" typeface="Tahoma"/>
+        <a:font script="Hebr" typeface="Tahoma"/>
+        <a:font script="Thai" typeface="Tahoma"/>
         <a:font script="Ethi" typeface="Nyala"/>
         <a:font script="Beng" typeface="Vrinda"/>
         <a:font script="Gujr" typeface="Shruti"/>
@@ -3114,18 +5696,19 @@
         <a:font script="Mong" typeface="Mongolian Baiti"/>
         <a:font script="Viet" typeface="Times New Roman"/>
         <a:font script="Uigh" typeface="Microsoft Uighur"/>
+        <a:font script="Geor" typeface="Sylfaen"/>
       </a:majorFont>
       <a:minorFont>
-        <a:latin typeface="Calibri"/>
+        <a:latin typeface="Candara"/>
         <a:ea typeface=""/>
         <a:cs typeface=""/>
         <a:font script="Jpan" typeface="ＭＳ Ｐゴシック"/>
-        <a:font script="Hang" typeface="맑은 고딕"/>
-        <a:font script="Hans" typeface="宋体"/>
+        <a:font script="Hang" typeface="HY견명조"/>
+        <a:font script="Hans" typeface="华文楷体"/>
         <a:font script="Hant" typeface="新細明體"/>
         <a:font script="Arab" typeface="Arial"/>
         <a:font script="Hebr" typeface="Arial"/>
-        <a:font script="Thai" typeface="Cordia New"/>
+        <a:font script="Thai" typeface="KodchiangUPC"/>
         <a:font script="Ethi" typeface="Nyala"/>
         <a:font script="Beng" typeface="Vrinda"/>
         <a:font script="Gujr" typeface="Shruti"/>
@@ -3146,11 +5729,12 @@
         <a:font script="Laoo" typeface="DokChampa"/>
         <a:font script="Sinh" typeface="Iskoola Pota"/>
         <a:font script="Mong" typeface="Mongolian Baiti"/>
-        <a:font script="Viet" typeface="Arial"/>
+        <a:font script="Viet" typeface="Tahoma"/>
         <a:font script="Uigh" typeface="Microsoft Uighur"/>
+        <a:font script="Geor" typeface="Sylfaen"/>
       </a:minorFont>
     </a:fontScheme>
-    <a:fmtScheme name="Office">
+    <a:fmtScheme name="Tradeshow">
       <a:fillStyleLst>
         <a:solidFill>
           <a:schemeClr val="phClr"/>
@@ -3159,43 +5743,51 @@
           <a:gsLst>
             <a:gs pos="0">
               <a:schemeClr val="phClr">
-                <a:tint val="50000"/>
+                <a:tint val="45000"/>
                 <a:satMod val="300000"/>
               </a:schemeClr>
             </a:gs>
             <a:gs pos="35000">
               <a:schemeClr val="phClr">
-                <a:tint val="37000"/>
+                <a:tint val="45000"/>
                 <a:satMod val="300000"/>
+              </a:schemeClr>
+            </a:gs>
+            <a:gs pos="69000">
+              <a:schemeClr val="phClr">
+                <a:tint val="45000"/>
+                <a:satMod val="350000"/>
               </a:schemeClr>
             </a:gs>
             <a:gs pos="100000">
               <a:schemeClr val="phClr">
-                <a:tint val="15000"/>
+                <a:tint val="60000"/>
                 <a:satMod val="350000"/>
               </a:schemeClr>
             </a:gs>
           </a:gsLst>
-          <a:lin ang="16200000" scaled="1"/>
+          <a:path path="circle">
+            <a:fillToRect l="50000" t="50000" r="100000" b="100000"/>
+          </a:path>
         </a:gradFill>
         <a:gradFill rotWithShape="1">
           <a:gsLst>
             <a:gs pos="0">
               <a:schemeClr val="phClr">
-                <a:shade val="51000"/>
-                <a:satMod val="130000"/>
+                <a:shade val="47500"/>
+                <a:satMod val="137000"/>
               </a:schemeClr>
             </a:gs>
-            <a:gs pos="80000">
+            <a:gs pos="55000">
               <a:schemeClr val="phClr">
-                <a:shade val="93000"/>
-                <a:satMod val="130000"/>
+                <a:shade val="69000"/>
+                <a:satMod val="137000"/>
               </a:schemeClr>
             </a:gs>
             <a:gs pos="100000">
               <a:schemeClr val="phClr">
-                <a:shade val="94000"/>
-                <a:satMod val="135000"/>
+                <a:shade val="98000"/>
+                <a:satMod val="137000"/>
               </a:schemeClr>
             </a:gs>
           </a:gsLst>
@@ -3203,22 +5795,19 @@
         </a:gradFill>
       </a:fillStyleLst>
       <a:lnStyleLst>
-        <a:ln w="9525" cap="flat" cmpd="sng" algn="ctr">
-          <a:solidFill>
-            <a:schemeClr val="phClr">
-              <a:shade val="95000"/>
-              <a:satMod val="105000"/>
-            </a:schemeClr>
-          </a:solidFill>
-          <a:prstDash val="solid"/>
-        </a:ln>
-        <a:ln w="25400" cap="flat" cmpd="sng" algn="ctr">
+        <a:ln w="9525" cap="rnd" cmpd="sng" algn="ctr">
           <a:solidFill>
             <a:schemeClr val="phClr"/>
           </a:solidFill>
           <a:prstDash val="solid"/>
         </a:ln>
-        <a:ln w="38100" cap="flat" cmpd="sng" algn="ctr">
+        <a:ln w="38475" cap="flat" cmpd="sng" algn="ctr">
+          <a:solidFill>
+            <a:schemeClr val="phClr"/>
+          </a:solidFill>
+          <a:prstDash val="solid"/>
+        </a:ln>
+        <a:ln w="54850" cap="flat" cmpd="sng" algn="ctr">
           <a:solidFill>
             <a:schemeClr val="phClr"/>
           </a:solidFill>
@@ -3228,27 +5817,27 @@
       <a:effectStyleLst>
         <a:effectStyle>
           <a:effectLst>
-            <a:outerShdw blurRad="40000" dist="20000" dir="5400000" rotWithShape="0">
+            <a:outerShdw blurRad="50800" dist="25400" dir="5400000" rotWithShape="0">
               <a:srgbClr val="000000">
-                <a:alpha val="38000"/>
+                <a:alpha val="55000"/>
               </a:srgbClr>
             </a:outerShdw>
           </a:effectLst>
         </a:effectStyle>
         <a:effectStyle>
           <a:effectLst>
-            <a:outerShdw blurRad="40000" dist="23000" dir="5400000" rotWithShape="0">
+            <a:outerShdw blurRad="50800" dist="25400" dir="5400000" rotWithShape="0">
               <a:srgbClr val="000000">
-                <a:alpha val="35000"/>
+                <a:alpha val="44000"/>
               </a:srgbClr>
             </a:outerShdw>
           </a:effectLst>
         </a:effectStyle>
         <a:effectStyle>
           <a:effectLst>
-            <a:outerShdw blurRad="40000" dist="23000" dir="5400000" rotWithShape="0">
+            <a:outerShdw blurRad="50800" dist="25400" dir="5400000" rotWithShape="0">
               <a:srgbClr val="000000">
-                <a:alpha val="35000"/>
+                <a:alpha val="55000"/>
               </a:srgbClr>
             </a:outerShdw>
           </a:effectLst>
@@ -3256,12 +5845,17 @@
             <a:camera prst="orthographicFront">
               <a:rot lat="0" lon="0" rev="0"/>
             </a:camera>
-            <a:lightRig rig="threePt" dir="t">
-              <a:rot lat="0" lon="0" rev="1200000"/>
+            <a:lightRig rig="brightRoom" dir="tl">
+              <a:rot lat="0" lon="0" rev="3600000"/>
             </a:lightRig>
           </a:scene3d>
-          <a:sp3d>
-            <a:bevelT w="63500" h="25400"/>
+          <a:sp3d contourW="31750" prstMaterial="flat">
+            <a:bevelT w="127000" h="254000" prst="angle"/>
+            <a:contourClr>
+              <a:schemeClr val="phClr">
+                <a:shade val="20000"/>
+              </a:schemeClr>
+            </a:contourClr>
           </a:sp3d>
         </a:effectStyle>
       </a:effectStyleLst>
@@ -3271,47 +5865,40 @@
         </a:solidFill>
         <a:gradFill rotWithShape="1">
           <a:gsLst>
-            <a:gs pos="0">
+            <a:gs pos="20000">
               <a:schemeClr val="phClr">
-                <a:tint val="40000"/>
-                <a:satMod val="350000"/>
-              </a:schemeClr>
-            </a:gs>
-            <a:gs pos="40000">
-              <a:schemeClr val="phClr">
-                <a:tint val="45000"/>
-                <a:shade val="99000"/>
-                <a:satMod val="350000"/>
+                <a:tint val="80000"/>
+                <a:lumMod val="100000"/>
               </a:schemeClr>
             </a:gs>
             <a:gs pos="100000">
               <a:schemeClr val="phClr">
-                <a:shade val="20000"/>
-                <a:satMod val="255000"/>
+                <a:tint val="100000"/>
+                <a:lumMod val="80000"/>
               </a:schemeClr>
             </a:gs>
           </a:gsLst>
           <a:path path="circle">
-            <a:fillToRect l="50000" t="-80000" r="50000" b="180000"/>
+            <a:fillToRect l="50000" t="20000" r="100000" b="100000"/>
           </a:path>
         </a:gradFill>
         <a:gradFill rotWithShape="1">
           <a:gsLst>
             <a:gs pos="0">
               <a:schemeClr val="phClr">
-                <a:tint val="80000"/>
-                <a:satMod val="300000"/>
+                <a:tint val="100000"/>
+                <a:lumMod val="100000"/>
               </a:schemeClr>
             </a:gs>
             <a:gs pos="100000">
               <a:schemeClr val="phClr">
-                <a:shade val="30000"/>
-                <a:satMod val="200000"/>
+                <a:shade val="100000"/>
+                <a:lumMod val="60000"/>
               </a:schemeClr>
             </a:gs>
           </a:gsLst>
           <a:path path="circle">
-            <a:fillToRect l="50000" t="50000" r="50000" b="50000"/>
+            <a:fillToRect l="50000" t="20000" r="100000" b="100000"/>
           </a:path>
         </a:gradFill>
       </a:bgFillStyleLst>
